--- a/templates/kedo_long.pptx
+++ b/templates/kedo_long.pptx
@@ -22,7 +22,7 @@
     <p:sldId id="260" r:id="rId17"/>
   </p:sldIdLst>
   <p:sldSz cx="7559675" cy="10439400"/>
-  <p:notesSz cx="6858000" cy="9144000"/>
+  <p:notesSz cx="7559675" cy="10691813"/>
 </p:presentation>
 </file>
 
@@ -56,7 +56,7 @@
         <p:spPr>
           <a:xfrm>
             <a:off x="257760" y="1511280"/>
-            <a:ext cx="7044120" cy="4165920"/>
+            <a:ext cx="7043760" cy="4165560"/>
           </a:xfrm>
           <a:prstGeom prst="rect">
             <a:avLst/>
@@ -71,10 +71,10 @@
             <a:noAutofit/>
           </a:bodyPr>
           <a:p>
-            <a:pPr indent="0">
+            <a:pPr indent="0" algn="ctr">
               <a:buNone/>
             </a:pPr>
-            <a:endParaRPr b="0" lang="ru-RU" sz="1400" spc="-1" strike="noStrike">
+            <a:endParaRPr b="0" lang="ru-RU" sz="4400" spc="-1" strike="noStrike">
               <a:solidFill>
                 <a:srgbClr val="000000"/>
               </a:solidFill>
@@ -95,8 +95,8 @@
         </p:nvSpPr>
         <p:spPr>
           <a:xfrm>
-            <a:off x="378000" y="2442960"/>
-            <a:ext cx="6803640" cy="6054840"/>
+            <a:off x="377640" y="2442600"/>
+            <a:ext cx="6803280" cy="6054120"/>
           </a:xfrm>
           <a:prstGeom prst="rect">
             <a:avLst/>
@@ -137,7 +137,7 @@
         <p:txBody>
           <a:bodyPr/>
           <a:p>
-            <a:fld id="{BEB8A61F-DB23-4178-A5D1-D765395A690F}" type="slidenum">
+            <a:fld id="{126F7131-A6AB-401C-899E-7ED11767815A}" type="slidenum">
               <a:t>&lt;#&gt;</a:t>
             </a:fld>
           </a:p>
@@ -179,7 +179,7 @@
         <p:txBody>
           <a:bodyPr/>
           <a:p>
-            <a:fld id="{90E992ED-A52D-47E2-8301-D4AB152085E3}" type="slidenum">
+            <a:fld id="{66EE7D16-1A21-492B-97A6-04BF01571EAB}" type="slidenum">
               <a:t>&lt;#&gt;</a:t>
             </a:fld>
           </a:p>
@@ -221,7 +221,7 @@
         <p:txBody>
           <a:bodyPr/>
           <a:p>
-            <a:fld id="{8FA7C039-9F78-4E4D-A633-C3716AA96414}" type="slidenum">
+            <a:fld id="{9B479BE7-6246-47F0-8C26-0D5B7C0527C0}" type="slidenum">
               <a:t>&lt;#&gt;</a:t>
             </a:fld>
           </a:p>
@@ -263,7 +263,7 @@
         <p:txBody>
           <a:bodyPr/>
           <a:p>
-            <a:fld id="{C86211D1-35DD-4062-BBC8-A9CDC65AD4C6}" type="slidenum">
+            <a:fld id="{BBD22B98-62FE-481C-9B0E-7F7A0092AD87}" type="slidenum">
               <a:t>&lt;#&gt;</a:t>
             </a:fld>
           </a:p>
@@ -305,7 +305,7 @@
         <p:txBody>
           <a:bodyPr/>
           <a:p>
-            <a:fld id="{C2D659DE-E718-4C8D-9ED6-E66778C47660}" type="slidenum">
+            <a:fld id="{E40EB703-3AD4-4588-B3E3-233EC6F30094}" type="slidenum">
               <a:t>&lt;#&gt;</a:t>
             </a:fld>
           </a:p>
@@ -347,7 +347,7 @@
         <p:txBody>
           <a:bodyPr/>
           <a:p>
-            <a:fld id="{FD2C624D-337A-4B90-BC9F-23B082D92D57}" type="slidenum">
+            <a:fld id="{B5274FBD-484F-4DAE-9D60-C40DC561AAD5}" type="slidenum">
               <a:t>&lt;#&gt;</a:t>
             </a:fld>
           </a:p>
@@ -377,7 +377,7 @@
       </p:grpSpPr>
       <p:sp>
         <p:nvSpPr>
-          <p:cNvPr id="14" name="PlaceHolder 1"/>
+          <p:cNvPr id="11" name="PlaceHolder 1"/>
           <p:cNvSpPr>
             <a:spLocks noGrp="1"/>
           </p:cNvSpPr>
@@ -388,7 +388,7 @@
         <p:spPr>
           <a:xfrm>
             <a:off x="257760" y="1511280"/>
-            <a:ext cx="7044120" cy="4165920"/>
+            <a:ext cx="7043760" cy="4165560"/>
           </a:xfrm>
           <a:prstGeom prst="rect">
             <a:avLst/>
@@ -403,10 +403,10 @@
             <a:noAutofit/>
           </a:bodyPr>
           <a:p>
-            <a:pPr indent="0">
+            <a:pPr indent="0" algn="ctr">
               <a:buNone/>
             </a:pPr>
-            <a:endParaRPr b="0" lang="ru-RU" sz="1400" spc="-1" strike="noStrike">
+            <a:endParaRPr b="0" lang="ru-RU" sz="4400" spc="-1" strike="noStrike">
               <a:solidFill>
                 <a:srgbClr val="000000"/>
               </a:solidFill>
@@ -417,7 +417,7 @@
       </p:sp>
       <p:sp>
         <p:nvSpPr>
-          <p:cNvPr id="15" name="PlaceHolder 2"/>
+          <p:cNvPr id="12" name="PlaceHolder 2"/>
           <p:cNvSpPr>
             <a:spLocks noGrp="1"/>
           </p:cNvSpPr>
@@ -427,8 +427,8 @@
         </p:nvSpPr>
         <p:spPr>
           <a:xfrm>
-            <a:off x="378000" y="2442960"/>
-            <a:ext cx="6803640" cy="6054840"/>
+            <a:off x="377640" y="2442600"/>
+            <a:ext cx="6803280" cy="6054120"/>
           </a:xfrm>
           <a:prstGeom prst="rect">
             <a:avLst/>
@@ -449,7 +449,7 @@
               </a:spcBef>
               <a:buNone/>
             </a:pPr>
-            <a:endParaRPr b="0" lang="ru-RU" sz="1400" spc="-1" strike="noStrike">
+            <a:endParaRPr b="0" lang="ru-RU" sz="3200" spc="-1" strike="noStrike">
               <a:solidFill>
                 <a:srgbClr val="000000"/>
               </a:solidFill>
@@ -472,7 +472,7 @@
         <p:txBody>
           <a:bodyPr/>
           <a:p>
-            <a:fld id="{DBDE8703-A2AF-44D9-9478-F03E24FE6F75}" type="slidenum">
+            <a:fld id="{10EE9A34-1480-42C5-9D1B-E52A2A3EEDB6}" type="slidenum">
               <a:t>&lt;#&gt;</a:t>
             </a:fld>
           </a:p>
@@ -502,7 +502,7 @@
       </p:grpSpPr>
       <p:sp>
         <p:nvSpPr>
-          <p:cNvPr id="20" name="PlaceHolder 1"/>
+          <p:cNvPr id="17" name="PlaceHolder 1"/>
           <p:cNvSpPr>
             <a:spLocks noGrp="1"/>
           </p:cNvSpPr>
@@ -513,7 +513,7 @@
         <p:spPr>
           <a:xfrm>
             <a:off x="257760" y="1511280"/>
-            <a:ext cx="7044120" cy="4165920"/>
+            <a:ext cx="7043760" cy="4165560"/>
           </a:xfrm>
           <a:prstGeom prst="rect">
             <a:avLst/>
@@ -528,10 +528,10 @@
             <a:noAutofit/>
           </a:bodyPr>
           <a:p>
-            <a:pPr indent="0">
+            <a:pPr indent="0" algn="ctr">
               <a:buNone/>
             </a:pPr>
-            <a:endParaRPr b="0" lang="ru-RU" sz="1400" spc="-1" strike="noStrike">
+            <a:endParaRPr b="0" lang="ru-RU" sz="4400" spc="-1" strike="noStrike">
               <a:solidFill>
                 <a:srgbClr val="000000"/>
               </a:solidFill>
@@ -542,7 +542,7 @@
       </p:sp>
       <p:sp>
         <p:nvSpPr>
-          <p:cNvPr id="21" name="PlaceHolder 2"/>
+          <p:cNvPr id="18" name="PlaceHolder 2"/>
           <p:cNvSpPr>
             <a:spLocks noGrp="1"/>
           </p:cNvSpPr>
@@ -552,8 +552,8 @@
         </p:nvSpPr>
         <p:spPr>
           <a:xfrm>
-            <a:off x="378000" y="2442960"/>
-            <a:ext cx="3319920" cy="6054840"/>
+            <a:off x="377640" y="2442600"/>
+            <a:ext cx="3319920" cy="6054120"/>
           </a:xfrm>
           <a:prstGeom prst="rect">
             <a:avLst/>
@@ -574,7 +574,7 @@
               </a:spcBef>
               <a:buNone/>
             </a:pPr>
-            <a:endParaRPr b="0" lang="ru-RU" sz="1400" spc="-1" strike="noStrike">
+            <a:endParaRPr b="0" lang="ru-RU" sz="3200" spc="-1" strike="noStrike">
               <a:solidFill>
                 <a:srgbClr val="000000"/>
               </a:solidFill>
@@ -585,7 +585,7 @@
       </p:sp>
       <p:sp>
         <p:nvSpPr>
-          <p:cNvPr id="22" name="PlaceHolder 3"/>
+          <p:cNvPr id="19" name="PlaceHolder 3"/>
           <p:cNvSpPr>
             <a:spLocks noGrp="1"/>
           </p:cNvSpPr>
@@ -595,8 +595,8 @@
         </p:nvSpPr>
         <p:spPr>
           <a:xfrm>
-            <a:off x="3864240" y="2442960"/>
-            <a:ext cx="3319920" cy="6054840"/>
+            <a:off x="3863880" y="2442600"/>
+            <a:ext cx="3319920" cy="6054120"/>
           </a:xfrm>
           <a:prstGeom prst="rect">
             <a:avLst/>
@@ -617,7 +617,7 @@
               </a:spcBef>
               <a:buNone/>
             </a:pPr>
-            <a:endParaRPr b="0" lang="ru-RU" sz="1400" spc="-1" strike="noStrike">
+            <a:endParaRPr b="0" lang="ru-RU" sz="3200" spc="-1" strike="noStrike">
               <a:solidFill>
                 <a:srgbClr val="000000"/>
               </a:solidFill>
@@ -640,7 +640,7 @@
         <p:txBody>
           <a:bodyPr/>
           <a:p>
-            <a:fld id="{56566F7A-208B-4B42-B6AC-EECABED67278}" type="slidenum">
+            <a:fld id="{C73EACCD-4BE8-4FF3-919C-966C43650127}" type="slidenum">
               <a:t>&lt;#&gt;</a:t>
             </a:fld>
           </a:p>
@@ -670,7 +670,7 @@
       </p:grpSpPr>
       <p:sp>
         <p:nvSpPr>
-          <p:cNvPr id="25" name="PlaceHolder 1"/>
+          <p:cNvPr id="22" name="PlaceHolder 1"/>
           <p:cNvSpPr>
             <a:spLocks noGrp="1"/>
           </p:cNvSpPr>
@@ -681,7 +681,7 @@
         <p:spPr>
           <a:xfrm>
             <a:off x="257760" y="1511280"/>
-            <a:ext cx="7044120" cy="4165920"/>
+            <a:ext cx="7043760" cy="4165560"/>
           </a:xfrm>
           <a:prstGeom prst="rect">
             <a:avLst/>
@@ -696,10 +696,10 @@
             <a:noAutofit/>
           </a:bodyPr>
           <a:p>
-            <a:pPr indent="0">
+            <a:pPr indent="0" algn="ctr">
               <a:buNone/>
             </a:pPr>
-            <a:endParaRPr b="0" lang="ru-RU" sz="1400" spc="-1" strike="noStrike">
+            <a:endParaRPr b="0" lang="ru-RU" sz="4400" spc="-1" strike="noStrike">
               <a:solidFill>
                 <a:srgbClr val="000000"/>
               </a:solidFill>
@@ -722,7 +722,7 @@
         <p:txBody>
           <a:bodyPr/>
           <a:p>
-            <a:fld id="{DD57B839-55A0-412B-A5D3-35E252DEB2DD}" type="slidenum">
+            <a:fld id="{0D621380-9F6D-45A9-8733-DC7197B2E0AE}" type="slidenum">
               <a:t>&lt;#&gt;</a:t>
             </a:fld>
           </a:p>
@@ -764,7 +764,7 @@
         <p:txBody>
           <a:bodyPr/>
           <a:p>
-            <a:fld id="{A8F793BD-FF7C-42C7-B863-B17FC2A14FD7}" type="slidenum">
+            <a:fld id="{CF4B567A-1306-4D01-9B03-744FF3F19ACA}" type="slidenum">
               <a:t>&lt;#&gt;</a:t>
             </a:fld>
           </a:p>
@@ -806,7 +806,7 @@
         <p:txBody>
           <a:bodyPr/>
           <a:p>
-            <a:fld id="{C9AC7473-1468-4CF0-94DA-6E82BC5C7886}" type="slidenum">
+            <a:fld id="{EDAD84C3-5E93-4C97-A2BC-32834059B184}" type="slidenum">
               <a:t>&lt;#&gt;</a:t>
             </a:fld>
           </a:p>
@@ -854,7 +854,7 @@
         <p:spPr>
           <a:xfrm>
             <a:off x="257760" y="1511280"/>
-            <a:ext cx="7044120" cy="4165920"/>
+            <a:ext cx="7043760" cy="4165560"/>
           </a:xfrm>
           <a:prstGeom prst="rect">
             <a:avLst/>
@@ -865,15 +865,15 @@
           </a:ln>
         </p:spPr>
         <p:txBody>
-          <a:bodyPr lIns="91440" rIns="91440" tIns="91440" bIns="91440" anchor="b">
-            <a:normAutofit/>
+          <a:bodyPr lIns="0" rIns="0" tIns="0" bIns="0" anchor="ctr">
+            <a:noAutofit/>
           </a:bodyPr>
           <a:p>
             <a:pPr indent="0">
               <a:buNone/>
             </a:pPr>
             <a:r>
-              <a:rPr b="0" lang="ru-RU" sz="5200" spc="-1" strike="noStrike">
+              <a:rPr b="0" lang="ru-RU" sz="1800" spc="-1" strike="noStrike">
                 <a:solidFill>
                   <a:srgbClr val="000000"/>
                 </a:solidFill>
@@ -881,7 +881,7 @@
               </a:rPr>
               <a:t>Для правки текста заглавия щёлкните мышью</a:t>
             </a:r>
-            <a:endParaRPr b="0" lang="ru-RU" sz="5200" spc="-1" strike="noStrike">
+            <a:endParaRPr b="0" lang="ru-RU" sz="1800" spc="-1" strike="noStrike">
               <a:solidFill>
                 <a:srgbClr val="000000"/>
               </a:solidFill>
@@ -903,7 +903,7 @@
         <p:spPr>
           <a:xfrm>
             <a:off x="7004880" y="9465120"/>
-            <a:ext cx="453240" cy="798480"/>
+            <a:ext cx="452880" cy="798120"/>
           </a:xfrm>
           <a:prstGeom prst="rect">
             <a:avLst/>
@@ -915,7 +915,7 @@
         </p:spPr>
         <p:txBody>
           <a:bodyPr lIns="91440" rIns="91440" tIns="91440" bIns="91440" anchor="ctr">
-            <a:normAutofit/>
+            <a:noAutofit/>
           </a:bodyPr>
           <a:lstStyle>
             <a:lvl1pPr indent="0" algn="r">
@@ -945,7 +945,7 @@
                 <a:tab algn="l" pos="0"/>
               </a:tabLst>
             </a:pPr>
-            <a:fld id="{532C9693-136D-4D88-9C33-E323CE63E09C}" type="slidenum">
+            <a:fld id="{8EABE97D-BD0C-4019-9422-45B7CCF0C9A3}" type="slidenum">
               <a:rPr b="0" lang="ru" sz="1000" spc="-1" strike="noStrike">
                 <a:solidFill>
                   <a:schemeClr val="dk2"/>
@@ -976,8 +976,8 @@
         </p:nvSpPr>
         <p:spPr>
           <a:xfrm>
-            <a:off x="378000" y="2442960"/>
-            <a:ext cx="6803640" cy="6054840"/>
+            <a:off x="377640" y="2442600"/>
+            <a:ext cx="6803280" cy="6054120"/>
           </a:xfrm>
           <a:prstGeom prst="rect">
             <a:avLst/>
@@ -1004,7 +1004,7 @@
               <a:buChar char=""/>
             </a:pPr>
             <a:r>
-              <a:rPr b="0" lang="ru-RU" sz="1400" spc="-1" strike="noStrike">
+              <a:rPr b="0" lang="ru-RU" sz="3200" spc="-1" strike="noStrike">
                 <a:solidFill>
                   <a:srgbClr val="000000"/>
                 </a:solidFill>
@@ -1012,7 +1012,7 @@
               </a:rPr>
               <a:t>Для правки структуры щёлкните мышью</a:t>
             </a:r>
-            <a:endParaRPr b="0" lang="ru-RU" sz="1400" spc="-1" strike="noStrike">
+            <a:endParaRPr b="0" lang="ru-RU" sz="3200" spc="-1" strike="noStrike">
               <a:solidFill>
                 <a:srgbClr val="000000"/>
               </a:solidFill>
@@ -1032,7 +1032,7 @@
               <a:buChar char=""/>
             </a:pPr>
             <a:r>
-              <a:rPr b="0" lang="ru-RU" sz="1400" spc="-1" strike="noStrike">
+              <a:rPr b="0" lang="ru-RU" sz="2800" spc="-1" strike="noStrike">
                 <a:solidFill>
                   <a:srgbClr val="000000"/>
                 </a:solidFill>
@@ -1040,7 +1040,7 @@
               </a:rPr>
               <a:t>Второй уровень структуры</a:t>
             </a:r>
-            <a:endParaRPr b="0" lang="ru-RU" sz="1400" spc="-1" strike="noStrike">
+            <a:endParaRPr b="0" lang="ru-RU" sz="2800" spc="-1" strike="noStrike">
               <a:solidFill>
                 <a:srgbClr val="000000"/>
               </a:solidFill>
@@ -1060,7 +1060,7 @@
               <a:buChar char=""/>
             </a:pPr>
             <a:r>
-              <a:rPr b="0" lang="ru-RU" sz="1400" spc="-1" strike="noStrike">
+              <a:rPr b="0" lang="ru-RU" sz="2400" spc="-1" strike="noStrike">
                 <a:solidFill>
                   <a:srgbClr val="000000"/>
                 </a:solidFill>
@@ -1068,7 +1068,7 @@
               </a:rPr>
               <a:t>Третий уровень структуры</a:t>
             </a:r>
-            <a:endParaRPr b="0" lang="ru-RU" sz="1400" spc="-1" strike="noStrike">
+            <a:endParaRPr b="0" lang="ru-RU" sz="2400" spc="-1" strike="noStrike">
               <a:solidFill>
                 <a:srgbClr val="000000"/>
               </a:solidFill>
@@ -1088,7 +1088,7 @@
               <a:buChar char=""/>
             </a:pPr>
             <a:r>
-              <a:rPr b="0" lang="ru-RU" sz="1400" spc="-1" strike="noStrike">
+              <a:rPr b="0" lang="ru-RU" sz="2000" spc="-1" strike="noStrike">
                 <a:solidFill>
                   <a:srgbClr val="000000"/>
                 </a:solidFill>
@@ -1096,7 +1096,7 @@
               </a:rPr>
               <a:t>Четвёртый уровень структуры</a:t>
             </a:r>
-            <a:endParaRPr b="0" lang="ru-RU" sz="1400" spc="-1" strike="noStrike">
+            <a:endParaRPr b="0" lang="ru-RU" sz="2000" spc="-1" strike="noStrike">
               <a:solidFill>
                 <a:srgbClr val="000000"/>
               </a:solidFill>
@@ -1224,14 +1224,14 @@
       </p:grpSpPr>
       <p:sp>
         <p:nvSpPr>
-          <p:cNvPr id="31" name="Google Shape;36;p9"/>
+          <p:cNvPr id="25" name="Google Shape;36;p9"/>
           <p:cNvSpPr/>
           <p:nvPr/>
         </p:nvSpPr>
         <p:spPr>
           <a:xfrm>
             <a:off x="3780000" y="-360"/>
-            <a:ext cx="3779640" cy="10439640"/>
+            <a:ext cx="3779280" cy="10439280"/>
           </a:xfrm>
           <a:prstGeom prst="rect">
             <a:avLst/>
@@ -1250,7 +1250,7 @@
           <a:fontRef idx="minor"/>
         </p:style>
         <p:txBody>
-          <a:bodyPr tIns="91440" bIns="91440" anchor="ctr">
+          <a:bodyPr lIns="90000" rIns="90000" tIns="91440" bIns="91440" anchor="ctr">
             <a:noAutofit/>
           </a:bodyPr>
           <a:p>
@@ -1273,67 +1273,18 @@
       </p:sp>
       <p:sp>
         <p:nvSpPr>
-          <p:cNvPr id="32" name="PlaceHolder 1"/>
+          <p:cNvPr id="26" name="PlaceHolder 1"/>
           <p:cNvSpPr>
             <a:spLocks noGrp="1"/>
           </p:cNvSpPr>
           <p:nvPr>
-            <p:ph type="title"/>
+            <p:ph type="sldNum" idx="10"/>
           </p:nvPr>
         </p:nvSpPr>
         <p:spPr>
           <a:xfrm>
-            <a:off x="219600" y="2503080"/>
-            <a:ext cx="3344040" cy="3008520"/>
-          </a:xfrm>
-          <a:prstGeom prst="rect">
-            <a:avLst/>
-          </a:prstGeom>
-          <a:noFill/>
-          <a:ln w="0">
-            <a:noFill/>
-          </a:ln>
-        </p:spPr>
-        <p:txBody>
-          <a:bodyPr lIns="91440" rIns="91440" tIns="91440" bIns="91440" anchor="b">
-            <a:normAutofit fontScale="87361"/>
-          </a:bodyPr>
-          <a:p>
-            <a:pPr indent="0">
-              <a:buNone/>
-            </a:pPr>
-            <a:r>
-              <a:rPr b="0" lang="ru-RU" sz="4200" spc="-1" strike="noStrike">
-                <a:solidFill>
-                  <a:srgbClr val="000000"/>
-                </a:solidFill>
-                <a:latin typeface="Arial"/>
-              </a:rPr>
-              <a:t>Для правки текста заглавия щёлкните мышью</a:t>
-            </a:r>
-            <a:endParaRPr b="0" lang="ru-RU" sz="4200" spc="-1" strike="noStrike">
-              <a:solidFill>
-                <a:srgbClr val="000000"/>
-              </a:solidFill>
-              <a:latin typeface="Arial"/>
-            </a:endParaRPr>
-          </a:p>
-        </p:txBody>
-      </p:sp>
-      <p:sp>
-        <p:nvSpPr>
-          <p:cNvPr id="33" name="PlaceHolder 2"/>
-          <p:cNvSpPr>
-            <a:spLocks noGrp="1"/>
-          </p:cNvSpPr>
-          <p:nvPr>
-            <p:ph type="body"/>
-          </p:nvPr>
-        </p:nvSpPr>
-        <p:spPr>
-          <a:xfrm>
-            <a:off x="4083840" y="1469520"/>
-            <a:ext cx="3171960" cy="7499520"/>
+            <a:off x="7004880" y="9465120"/>
+            <a:ext cx="452880" cy="798120"/>
           </a:xfrm>
           <a:prstGeom prst="rect">
             <a:avLst/>
@@ -1345,232 +1296,7 @@
         </p:spPr>
         <p:txBody>
           <a:bodyPr lIns="91440" rIns="91440" tIns="91440" bIns="91440" anchor="ctr">
-            <a:normAutofit fontScale="62222"/>
-          </a:bodyPr>
-          <a:p>
-            <a:pPr marL="432000" indent="-324000">
-              <a:spcBef>
-                <a:spcPts val="1417"/>
-              </a:spcBef>
-              <a:buClr>
-                <a:srgbClr val="000000"/>
-              </a:buClr>
-              <a:buSzPct val="45000"/>
-              <a:buFont typeface="Wingdings" charset="2"/>
-              <a:buChar char=""/>
-            </a:pPr>
-            <a:r>
-              <a:rPr b="0" lang="ru-RU" sz="1800" spc="-1" strike="noStrike">
-                <a:solidFill>
-                  <a:srgbClr val="000000"/>
-                </a:solidFill>
-                <a:latin typeface="Arial"/>
-              </a:rPr>
-              <a:t>Для правки структуры щёлкните мышью</a:t>
-            </a:r>
-            <a:endParaRPr b="0" lang="ru-RU" sz="1800" spc="-1" strike="noStrike">
-              <a:solidFill>
-                <a:srgbClr val="000000"/>
-              </a:solidFill>
-              <a:latin typeface="Arial"/>
-            </a:endParaRPr>
-          </a:p>
-          <a:p>
-            <a:pPr lvl="1" marL="864000" indent="-324000">
-              <a:spcBef>
-                <a:spcPts val="1134"/>
-              </a:spcBef>
-              <a:buClr>
-                <a:srgbClr val="000000"/>
-              </a:buClr>
-              <a:buSzPct val="75000"/>
-              <a:buFont typeface="Symbol" charset="2"/>
-              <a:buChar char=""/>
-            </a:pPr>
-            <a:r>
-              <a:rPr b="0" lang="ru-RU" sz="1800" spc="-1" strike="noStrike">
-                <a:solidFill>
-                  <a:srgbClr val="000000"/>
-                </a:solidFill>
-                <a:latin typeface="Arial"/>
-              </a:rPr>
-              <a:t>Второй уровень структуры</a:t>
-            </a:r>
-            <a:endParaRPr b="0" lang="ru-RU" sz="1800" spc="-1" strike="noStrike">
-              <a:solidFill>
-                <a:srgbClr val="000000"/>
-              </a:solidFill>
-              <a:latin typeface="Arial"/>
-            </a:endParaRPr>
-          </a:p>
-          <a:p>
-            <a:pPr lvl="2" marL="1296000" indent="-288000">
-              <a:spcBef>
-                <a:spcPts val="850"/>
-              </a:spcBef>
-              <a:buClr>
-                <a:srgbClr val="000000"/>
-              </a:buClr>
-              <a:buSzPct val="45000"/>
-              <a:buFont typeface="Wingdings" charset="2"/>
-              <a:buChar char=""/>
-            </a:pPr>
-            <a:r>
-              <a:rPr b="0" lang="ru-RU" sz="1800" spc="-1" strike="noStrike">
-                <a:solidFill>
-                  <a:srgbClr val="000000"/>
-                </a:solidFill>
-                <a:latin typeface="Arial"/>
-              </a:rPr>
-              <a:t>Третий уровень структуры</a:t>
-            </a:r>
-            <a:endParaRPr b="0" lang="ru-RU" sz="1800" spc="-1" strike="noStrike">
-              <a:solidFill>
-                <a:srgbClr val="000000"/>
-              </a:solidFill>
-              <a:latin typeface="Arial"/>
-            </a:endParaRPr>
-          </a:p>
-          <a:p>
-            <a:pPr lvl="3" marL="1728000" indent="-216000">
-              <a:spcBef>
-                <a:spcPts val="567"/>
-              </a:spcBef>
-              <a:buClr>
-                <a:srgbClr val="000000"/>
-              </a:buClr>
-              <a:buSzPct val="75000"/>
-              <a:buFont typeface="Symbol" charset="2"/>
-              <a:buChar char=""/>
-            </a:pPr>
-            <a:r>
-              <a:rPr b="0" lang="ru-RU" sz="1800" spc="-1" strike="noStrike">
-                <a:solidFill>
-                  <a:srgbClr val="000000"/>
-                </a:solidFill>
-                <a:latin typeface="Arial"/>
-              </a:rPr>
-              <a:t>Четвёртый уровень структуры</a:t>
-            </a:r>
-            <a:endParaRPr b="0" lang="ru-RU" sz="1800" spc="-1" strike="noStrike">
-              <a:solidFill>
-                <a:srgbClr val="000000"/>
-              </a:solidFill>
-              <a:latin typeface="Arial"/>
-            </a:endParaRPr>
-          </a:p>
-          <a:p>
-            <a:pPr lvl="4" marL="2160000" indent="-216000">
-              <a:spcBef>
-                <a:spcPts val="283"/>
-              </a:spcBef>
-              <a:buClr>
-                <a:srgbClr val="000000"/>
-              </a:buClr>
-              <a:buSzPct val="45000"/>
-              <a:buFont typeface="Wingdings" charset="2"/>
-              <a:buChar char=""/>
-            </a:pPr>
-            <a:r>
-              <a:rPr b="0" lang="ru-RU" sz="1800" spc="-1" strike="noStrike">
-                <a:solidFill>
-                  <a:srgbClr val="000000"/>
-                </a:solidFill>
-                <a:latin typeface="Arial"/>
-              </a:rPr>
-              <a:t>Пятый уровень структуры</a:t>
-            </a:r>
-            <a:endParaRPr b="0" lang="ru-RU" sz="1800" spc="-1" strike="noStrike">
-              <a:solidFill>
-                <a:srgbClr val="000000"/>
-              </a:solidFill>
-              <a:latin typeface="Arial"/>
-            </a:endParaRPr>
-          </a:p>
-          <a:p>
-            <a:pPr lvl="5" marL="2592000" indent="-216000">
-              <a:spcBef>
-                <a:spcPts val="283"/>
-              </a:spcBef>
-              <a:buClr>
-                <a:srgbClr val="000000"/>
-              </a:buClr>
-              <a:buSzPct val="45000"/>
-              <a:buFont typeface="Wingdings" charset="2"/>
-              <a:buChar char=""/>
-            </a:pPr>
-            <a:r>
-              <a:rPr b="0" lang="ru-RU" sz="1800" spc="-1" strike="noStrike">
-                <a:solidFill>
-                  <a:srgbClr val="000000"/>
-                </a:solidFill>
-                <a:latin typeface="Arial"/>
-              </a:rPr>
-              <a:t>Шестой уровень структуры</a:t>
-            </a:r>
-            <a:endParaRPr b="0" lang="ru-RU" sz="1800" spc="-1" strike="noStrike">
-              <a:solidFill>
-                <a:srgbClr val="000000"/>
-              </a:solidFill>
-              <a:latin typeface="Arial"/>
-            </a:endParaRPr>
-          </a:p>
-          <a:p>
-            <a:pPr lvl="6" marL="3024000" indent="-216000">
-              <a:spcBef>
-                <a:spcPts val="283"/>
-              </a:spcBef>
-              <a:buClr>
-                <a:srgbClr val="000000"/>
-              </a:buClr>
-              <a:buSzPct val="45000"/>
-              <a:buFont typeface="Wingdings" charset="2"/>
-              <a:buChar char=""/>
-            </a:pPr>
-            <a:r>
-              <a:rPr b="0" lang="ru-RU" sz="1800" spc="-1" strike="noStrike">
-                <a:solidFill>
-                  <a:srgbClr val="000000"/>
-                </a:solidFill>
-                <a:latin typeface="Arial"/>
-              </a:rPr>
-              <a:t>Седьмой уровень структуры</a:t>
-            </a:r>
-            <a:endParaRPr b="0" lang="ru-RU" sz="1800" spc="-1" strike="noStrike">
-              <a:solidFill>
-                <a:srgbClr val="000000"/>
-              </a:solidFill>
-              <a:latin typeface="Arial"/>
-            </a:endParaRPr>
-          </a:p>
-        </p:txBody>
-      </p:sp>
-      <p:sp>
-        <p:nvSpPr>
-          <p:cNvPr id="34" name="PlaceHolder 3"/>
-          <p:cNvSpPr>
-            <a:spLocks noGrp="1"/>
-          </p:cNvSpPr>
-          <p:nvPr>
-            <p:ph type="sldNum" idx="10"/>
-          </p:nvPr>
-        </p:nvSpPr>
-        <p:spPr>
-          <a:xfrm>
-            <a:off x="7004880" y="9465120"/>
-            <a:ext cx="453240" cy="798480"/>
-          </a:xfrm>
-          <a:prstGeom prst="rect">
-            <a:avLst/>
-          </a:prstGeom>
-          <a:noFill/>
-          <a:ln w="0">
-            <a:noFill/>
-          </a:ln>
-        </p:spPr>
-        <p:txBody>
-          <a:bodyPr lIns="91440" rIns="91440" tIns="91440" bIns="91440" anchor="ctr">
-            <a:normAutofit/>
+            <a:noAutofit/>
           </a:bodyPr>
           <a:lstStyle>
             <a:lvl1pPr indent="0" algn="r">
@@ -1600,7 +1326,7 @@
                 <a:tab algn="l" pos="0"/>
               </a:tabLst>
             </a:pPr>
-            <a:fld id="{0F368A79-244A-41D2-9994-486506B2CB96}" type="slidenum">
+            <a:fld id="{9C94A39A-5CD8-4F0E-B0C8-8DE1F32FFC27}" type="slidenum">
               <a:rPr b="0" lang="ru" sz="1000" spc="-1" strike="noStrike">
                 <a:solidFill>
                   <a:schemeClr val="dk2"/>
@@ -1654,18 +1380,18 @@
       </p:grpSpPr>
       <p:sp>
         <p:nvSpPr>
-          <p:cNvPr id="35" name="PlaceHolder 1"/>
+          <p:cNvPr id="27" name="PlaceHolder 1"/>
           <p:cNvSpPr>
             <a:spLocks noGrp="1"/>
           </p:cNvSpPr>
           <p:nvPr>
-            <p:ph type="body"/>
+            <p:ph type="sldNum" idx="11"/>
           </p:nvPr>
         </p:nvSpPr>
         <p:spPr>
           <a:xfrm>
-            <a:off x="257760" y="8587080"/>
-            <a:ext cx="4959360" cy="1227960"/>
+            <a:off x="7004880" y="9465120"/>
+            <a:ext cx="452880" cy="798120"/>
           </a:xfrm>
           <a:prstGeom prst="rect">
             <a:avLst/>
@@ -1677,232 +1403,7 @@
         </p:spPr>
         <p:txBody>
           <a:bodyPr lIns="91440" rIns="91440" tIns="91440" bIns="91440" anchor="ctr">
-            <a:normAutofit fontScale="37222" lnSpcReduction="10000"/>
-          </a:bodyPr>
-          <a:p>
-            <a:pPr marL="432000" indent="-324000">
-              <a:spcBef>
-                <a:spcPts val="1417"/>
-              </a:spcBef>
-              <a:buClr>
-                <a:srgbClr val="000000"/>
-              </a:buClr>
-              <a:buSzPct val="45000"/>
-              <a:buFont typeface="Wingdings" charset="2"/>
-              <a:buChar char=""/>
-            </a:pPr>
-            <a:r>
-              <a:rPr b="0" lang="ru-RU" sz="1800" spc="-1" strike="noStrike">
-                <a:solidFill>
-                  <a:srgbClr val="000000"/>
-                </a:solidFill>
-                <a:latin typeface="Arial"/>
-              </a:rPr>
-              <a:t>Для правки структуры щёлкните мышью</a:t>
-            </a:r>
-            <a:endParaRPr b="0" lang="ru-RU" sz="1800" spc="-1" strike="noStrike">
-              <a:solidFill>
-                <a:srgbClr val="000000"/>
-              </a:solidFill>
-              <a:latin typeface="Arial"/>
-            </a:endParaRPr>
-          </a:p>
-          <a:p>
-            <a:pPr lvl="1" marL="864000" indent="-324000">
-              <a:spcBef>
-                <a:spcPts val="1134"/>
-              </a:spcBef>
-              <a:buClr>
-                <a:srgbClr val="000000"/>
-              </a:buClr>
-              <a:buSzPct val="75000"/>
-              <a:buFont typeface="Symbol" charset="2"/>
-              <a:buChar char=""/>
-            </a:pPr>
-            <a:r>
-              <a:rPr b="0" lang="ru-RU" sz="1800" spc="-1" strike="noStrike">
-                <a:solidFill>
-                  <a:srgbClr val="000000"/>
-                </a:solidFill>
-                <a:latin typeface="Arial"/>
-              </a:rPr>
-              <a:t>Второй уровень структуры</a:t>
-            </a:r>
-            <a:endParaRPr b="0" lang="ru-RU" sz="1800" spc="-1" strike="noStrike">
-              <a:solidFill>
-                <a:srgbClr val="000000"/>
-              </a:solidFill>
-              <a:latin typeface="Arial"/>
-            </a:endParaRPr>
-          </a:p>
-          <a:p>
-            <a:pPr lvl="2" marL="1296000" indent="-288000">
-              <a:spcBef>
-                <a:spcPts val="850"/>
-              </a:spcBef>
-              <a:buClr>
-                <a:srgbClr val="000000"/>
-              </a:buClr>
-              <a:buSzPct val="45000"/>
-              <a:buFont typeface="Wingdings" charset="2"/>
-              <a:buChar char=""/>
-            </a:pPr>
-            <a:r>
-              <a:rPr b="0" lang="ru-RU" sz="1800" spc="-1" strike="noStrike">
-                <a:solidFill>
-                  <a:srgbClr val="000000"/>
-                </a:solidFill>
-                <a:latin typeface="Arial"/>
-              </a:rPr>
-              <a:t>Третий уровень структуры</a:t>
-            </a:r>
-            <a:endParaRPr b="0" lang="ru-RU" sz="1800" spc="-1" strike="noStrike">
-              <a:solidFill>
-                <a:srgbClr val="000000"/>
-              </a:solidFill>
-              <a:latin typeface="Arial"/>
-            </a:endParaRPr>
-          </a:p>
-          <a:p>
-            <a:pPr lvl="3" marL="1728000" indent="-216000">
-              <a:spcBef>
-                <a:spcPts val="567"/>
-              </a:spcBef>
-              <a:buClr>
-                <a:srgbClr val="000000"/>
-              </a:buClr>
-              <a:buSzPct val="75000"/>
-              <a:buFont typeface="Symbol" charset="2"/>
-              <a:buChar char=""/>
-            </a:pPr>
-            <a:r>
-              <a:rPr b="0" lang="ru-RU" sz="1800" spc="-1" strike="noStrike">
-                <a:solidFill>
-                  <a:srgbClr val="000000"/>
-                </a:solidFill>
-                <a:latin typeface="Arial"/>
-              </a:rPr>
-              <a:t>Четвёртый уровень структуры</a:t>
-            </a:r>
-            <a:endParaRPr b="0" lang="ru-RU" sz="1800" spc="-1" strike="noStrike">
-              <a:solidFill>
-                <a:srgbClr val="000000"/>
-              </a:solidFill>
-              <a:latin typeface="Arial"/>
-            </a:endParaRPr>
-          </a:p>
-          <a:p>
-            <a:pPr lvl="4" marL="2160000" indent="-216000">
-              <a:spcBef>
-                <a:spcPts val="283"/>
-              </a:spcBef>
-              <a:buClr>
-                <a:srgbClr val="000000"/>
-              </a:buClr>
-              <a:buSzPct val="45000"/>
-              <a:buFont typeface="Wingdings" charset="2"/>
-              <a:buChar char=""/>
-            </a:pPr>
-            <a:r>
-              <a:rPr b="0" lang="ru-RU" sz="1800" spc="-1" strike="noStrike">
-                <a:solidFill>
-                  <a:srgbClr val="000000"/>
-                </a:solidFill>
-                <a:latin typeface="Arial"/>
-              </a:rPr>
-              <a:t>Пятый уровень структуры</a:t>
-            </a:r>
-            <a:endParaRPr b="0" lang="ru-RU" sz="1800" spc="-1" strike="noStrike">
-              <a:solidFill>
-                <a:srgbClr val="000000"/>
-              </a:solidFill>
-              <a:latin typeface="Arial"/>
-            </a:endParaRPr>
-          </a:p>
-          <a:p>
-            <a:pPr lvl="5" marL="2592000" indent="-216000">
-              <a:spcBef>
-                <a:spcPts val="283"/>
-              </a:spcBef>
-              <a:buClr>
-                <a:srgbClr val="000000"/>
-              </a:buClr>
-              <a:buSzPct val="45000"/>
-              <a:buFont typeface="Wingdings" charset="2"/>
-              <a:buChar char=""/>
-            </a:pPr>
-            <a:r>
-              <a:rPr b="0" lang="ru-RU" sz="1800" spc="-1" strike="noStrike">
-                <a:solidFill>
-                  <a:srgbClr val="000000"/>
-                </a:solidFill>
-                <a:latin typeface="Arial"/>
-              </a:rPr>
-              <a:t>Шестой уровень структуры</a:t>
-            </a:r>
-            <a:endParaRPr b="0" lang="ru-RU" sz="1800" spc="-1" strike="noStrike">
-              <a:solidFill>
-                <a:srgbClr val="000000"/>
-              </a:solidFill>
-              <a:latin typeface="Arial"/>
-            </a:endParaRPr>
-          </a:p>
-          <a:p>
-            <a:pPr lvl="6" marL="3024000" indent="-216000">
-              <a:spcBef>
-                <a:spcPts val="283"/>
-              </a:spcBef>
-              <a:buClr>
-                <a:srgbClr val="000000"/>
-              </a:buClr>
-              <a:buSzPct val="45000"/>
-              <a:buFont typeface="Wingdings" charset="2"/>
-              <a:buChar char=""/>
-            </a:pPr>
-            <a:r>
-              <a:rPr b="0" lang="ru-RU" sz="1800" spc="-1" strike="noStrike">
-                <a:solidFill>
-                  <a:srgbClr val="000000"/>
-                </a:solidFill>
-                <a:latin typeface="Arial"/>
-              </a:rPr>
-              <a:t>Седьмой уровень структуры</a:t>
-            </a:r>
-            <a:endParaRPr b="0" lang="ru-RU" sz="1800" spc="-1" strike="noStrike">
-              <a:solidFill>
-                <a:srgbClr val="000000"/>
-              </a:solidFill>
-              <a:latin typeface="Arial"/>
-            </a:endParaRPr>
-          </a:p>
-        </p:txBody>
-      </p:sp>
-      <p:sp>
-        <p:nvSpPr>
-          <p:cNvPr id="36" name="PlaceHolder 2"/>
-          <p:cNvSpPr>
-            <a:spLocks noGrp="1"/>
-          </p:cNvSpPr>
-          <p:nvPr>
-            <p:ph type="sldNum" idx="11"/>
-          </p:nvPr>
-        </p:nvSpPr>
-        <p:spPr>
-          <a:xfrm>
-            <a:off x="7004880" y="9465120"/>
-            <a:ext cx="453240" cy="798480"/>
-          </a:xfrm>
-          <a:prstGeom prst="rect">
-            <a:avLst/>
-          </a:prstGeom>
-          <a:noFill/>
-          <a:ln w="0">
-            <a:noFill/>
-          </a:ln>
-        </p:spPr>
-        <p:txBody>
-          <a:bodyPr lIns="91440" rIns="91440" tIns="91440" bIns="91440" anchor="ctr">
-            <a:normAutofit/>
+            <a:noAutofit/>
           </a:bodyPr>
           <a:lstStyle>
             <a:lvl1pPr indent="0" algn="r">
@@ -1932,7 +1433,7 @@
                 <a:tab algn="l" pos="0"/>
               </a:tabLst>
             </a:pPr>
-            <a:fld id="{ED64BA7A-6BF5-485B-8A06-244FD2292519}" type="slidenum">
+            <a:fld id="{71CF5831-C360-4855-AE12-38A0793CA895}" type="slidenum">
               <a:rPr b="0" lang="ru" sz="1000" spc="-1" strike="noStrike">
                 <a:solidFill>
                   <a:schemeClr val="dk2"/>
@@ -1991,291 +1492,13 @@
             <a:spLocks noGrp="1"/>
           </p:cNvSpPr>
           <p:nvPr>
-            <p:ph type="title"/>
-          </p:nvPr>
-        </p:nvSpPr>
-        <p:spPr>
-          <a:xfrm>
-            <a:off x="257760" y="2245320"/>
-            <a:ext cx="7044120" cy="3985200"/>
-          </a:xfrm>
-          <a:prstGeom prst="rect">
-            <a:avLst/>
-          </a:prstGeom>
-          <a:noFill/>
-          <a:ln w="0">
-            <a:noFill/>
-          </a:ln>
-        </p:spPr>
-        <p:txBody>
-          <a:bodyPr lIns="91440" rIns="91440" tIns="91440" bIns="91440" anchor="b">
-            <a:normAutofit/>
-          </a:bodyPr>
-          <a:p>
-            <a:pPr indent="0" algn="ctr">
-              <a:lnSpc>
-                <a:spcPct val="100000"/>
-              </a:lnSpc>
-              <a:buNone/>
-            </a:pPr>
-            <a:r>
-              <a:rPr b="0" lang="ru-RU" sz="12000" spc="-1" strike="noStrike">
-                <a:solidFill>
-                  <a:schemeClr val="dk1"/>
-                </a:solidFill>
-                <a:latin typeface="Arial"/>
-                <a:ea typeface="Arial"/>
-              </a:rPr>
-              <a:t>xx%</a:t>
-            </a:r>
-            <a:endParaRPr b="0" lang="ru-RU" sz="12000" spc="-1" strike="noStrike">
-              <a:solidFill>
-                <a:srgbClr val="000000"/>
-              </a:solidFill>
-              <a:latin typeface="Arial"/>
-            </a:endParaRPr>
-          </a:p>
-        </p:txBody>
-      </p:sp>
-      <p:sp>
-        <p:nvSpPr>
-          <p:cNvPr id="6" name="PlaceHolder 2"/>
-          <p:cNvSpPr>
-            <a:spLocks noGrp="1"/>
-          </p:cNvSpPr>
-          <p:nvPr>
-            <p:ph type="body"/>
-          </p:nvPr>
-        </p:nvSpPr>
-        <p:spPr>
-          <a:xfrm>
-            <a:off x="257760" y="6398280"/>
-            <a:ext cx="7044120" cy="2639880"/>
-          </a:xfrm>
-          <a:prstGeom prst="rect">
-            <a:avLst/>
-          </a:prstGeom>
-          <a:noFill/>
-          <a:ln w="0">
-            <a:noFill/>
-          </a:ln>
-        </p:spPr>
-        <p:txBody>
-          <a:bodyPr lIns="91440" rIns="91440" tIns="91440" bIns="91440" anchor="t">
-            <a:normAutofit/>
-          </a:bodyPr>
-          <a:p>
-            <a:pPr marL="432000" indent="-324000">
-              <a:spcBef>
-                <a:spcPts val="1417"/>
-              </a:spcBef>
-              <a:buClr>
-                <a:srgbClr val="000000"/>
-              </a:buClr>
-              <a:buSzPct val="45000"/>
-              <a:buFont typeface="Wingdings" charset="2"/>
-              <a:buChar char=""/>
-            </a:pPr>
-            <a:r>
-              <a:rPr b="0" lang="ru-RU" sz="1800" spc="-1" strike="noStrike">
-                <a:solidFill>
-                  <a:srgbClr val="000000"/>
-                </a:solidFill>
-                <a:latin typeface="Arial"/>
-              </a:rPr>
-              <a:t>Для правки структуры щёлкните мышью</a:t>
-            </a:r>
-            <a:endParaRPr b="0" lang="ru-RU" sz="1800" spc="-1" strike="noStrike">
-              <a:solidFill>
-                <a:srgbClr val="000000"/>
-              </a:solidFill>
-              <a:latin typeface="Arial"/>
-            </a:endParaRPr>
-          </a:p>
-          <a:p>
-            <a:pPr lvl="1" marL="864000" indent="-324000">
-              <a:spcBef>
-                <a:spcPts val="1134"/>
-              </a:spcBef>
-              <a:buClr>
-                <a:srgbClr val="000000"/>
-              </a:buClr>
-              <a:buSzPct val="75000"/>
-              <a:buFont typeface="Symbol" charset="2"/>
-              <a:buChar char=""/>
-            </a:pPr>
-            <a:r>
-              <a:rPr b="0" lang="ru-RU" sz="1800" spc="-1" strike="noStrike">
-                <a:solidFill>
-                  <a:srgbClr val="000000"/>
-                </a:solidFill>
-                <a:latin typeface="Arial"/>
-              </a:rPr>
-              <a:t>Второй уровень структуры</a:t>
-            </a:r>
-            <a:endParaRPr b="0" lang="ru-RU" sz="1800" spc="-1" strike="noStrike">
-              <a:solidFill>
-                <a:srgbClr val="000000"/>
-              </a:solidFill>
-              <a:latin typeface="Arial"/>
-            </a:endParaRPr>
-          </a:p>
-          <a:p>
-            <a:pPr lvl="2" marL="1296000" indent="-288000">
-              <a:spcBef>
-                <a:spcPts val="850"/>
-              </a:spcBef>
-              <a:buClr>
-                <a:srgbClr val="000000"/>
-              </a:buClr>
-              <a:buSzPct val="45000"/>
-              <a:buFont typeface="Wingdings" charset="2"/>
-              <a:buChar char=""/>
-            </a:pPr>
-            <a:r>
-              <a:rPr b="0" lang="ru-RU" sz="1800" spc="-1" strike="noStrike">
-                <a:solidFill>
-                  <a:srgbClr val="000000"/>
-                </a:solidFill>
-                <a:latin typeface="Arial"/>
-              </a:rPr>
-              <a:t>Третий уровень структуры</a:t>
-            </a:r>
-            <a:endParaRPr b="0" lang="ru-RU" sz="1800" spc="-1" strike="noStrike">
-              <a:solidFill>
-                <a:srgbClr val="000000"/>
-              </a:solidFill>
-              <a:latin typeface="Arial"/>
-            </a:endParaRPr>
-          </a:p>
-          <a:p>
-            <a:pPr lvl="3" marL="1728000" indent="-216000">
-              <a:spcBef>
-                <a:spcPts val="567"/>
-              </a:spcBef>
-              <a:buClr>
-                <a:srgbClr val="000000"/>
-              </a:buClr>
-              <a:buSzPct val="75000"/>
-              <a:buFont typeface="Symbol" charset="2"/>
-              <a:buChar char=""/>
-            </a:pPr>
-            <a:r>
-              <a:rPr b="0" lang="ru-RU" sz="1800" spc="-1" strike="noStrike">
-                <a:solidFill>
-                  <a:srgbClr val="000000"/>
-                </a:solidFill>
-                <a:latin typeface="Arial"/>
-              </a:rPr>
-              <a:t>Четвёртый уровень структуры</a:t>
-            </a:r>
-            <a:endParaRPr b="0" lang="ru-RU" sz="1800" spc="-1" strike="noStrike">
-              <a:solidFill>
-                <a:srgbClr val="000000"/>
-              </a:solidFill>
-              <a:latin typeface="Arial"/>
-            </a:endParaRPr>
-          </a:p>
-          <a:p>
-            <a:pPr lvl="4" marL="2160000" indent="-216000">
-              <a:spcBef>
-                <a:spcPts val="283"/>
-              </a:spcBef>
-              <a:buClr>
-                <a:srgbClr val="000000"/>
-              </a:buClr>
-              <a:buSzPct val="45000"/>
-              <a:buFont typeface="Wingdings" charset="2"/>
-              <a:buChar char=""/>
-            </a:pPr>
-            <a:r>
-              <a:rPr b="0" lang="ru-RU" sz="1800" spc="-1" strike="noStrike">
-                <a:solidFill>
-                  <a:srgbClr val="000000"/>
-                </a:solidFill>
-                <a:latin typeface="Arial"/>
-              </a:rPr>
-              <a:t>Пятый уровень структуры</a:t>
-            </a:r>
-            <a:endParaRPr b="0" lang="ru-RU" sz="1800" spc="-1" strike="noStrike">
-              <a:solidFill>
-                <a:srgbClr val="000000"/>
-              </a:solidFill>
-              <a:latin typeface="Arial"/>
-            </a:endParaRPr>
-          </a:p>
-          <a:p>
-            <a:pPr lvl="5" marL="2592000" indent="-216000">
-              <a:spcBef>
-                <a:spcPts val="283"/>
-              </a:spcBef>
-              <a:buClr>
-                <a:srgbClr val="000000"/>
-              </a:buClr>
-              <a:buSzPct val="45000"/>
-              <a:buFont typeface="Wingdings" charset="2"/>
-              <a:buChar char=""/>
-            </a:pPr>
-            <a:r>
-              <a:rPr b="0" lang="ru-RU" sz="1800" spc="-1" strike="noStrike">
-                <a:solidFill>
-                  <a:srgbClr val="000000"/>
-                </a:solidFill>
-                <a:latin typeface="Arial"/>
-              </a:rPr>
-              <a:t>Шестой уровень структуры</a:t>
-            </a:r>
-            <a:endParaRPr b="0" lang="ru-RU" sz="1800" spc="-1" strike="noStrike">
-              <a:solidFill>
-                <a:srgbClr val="000000"/>
-              </a:solidFill>
-              <a:latin typeface="Arial"/>
-            </a:endParaRPr>
-          </a:p>
-          <a:p>
-            <a:pPr lvl="6" marL="3024000" indent="-216000">
-              <a:spcBef>
-                <a:spcPts val="283"/>
-              </a:spcBef>
-              <a:buClr>
-                <a:srgbClr val="000000"/>
-              </a:buClr>
-              <a:buSzPct val="45000"/>
-              <a:buFont typeface="Wingdings" charset="2"/>
-              <a:buChar char=""/>
-            </a:pPr>
-            <a:r>
-              <a:rPr b="0" lang="ru-RU" sz="1800" spc="-1" strike="noStrike">
-                <a:solidFill>
-                  <a:srgbClr val="000000"/>
-                </a:solidFill>
-                <a:latin typeface="Arial"/>
-              </a:rPr>
-              <a:t>Седьмой уровень структуры</a:t>
-            </a:r>
-            <a:endParaRPr b="0" lang="ru-RU" sz="1800" spc="-1" strike="noStrike">
-              <a:solidFill>
-                <a:srgbClr val="000000"/>
-              </a:solidFill>
-              <a:latin typeface="Arial"/>
-            </a:endParaRPr>
-          </a:p>
-        </p:txBody>
-      </p:sp>
-      <p:sp>
-        <p:nvSpPr>
-          <p:cNvPr id="7" name="PlaceHolder 3"/>
-          <p:cNvSpPr>
-            <a:spLocks noGrp="1"/>
-          </p:cNvSpPr>
-          <p:nvPr>
             <p:ph type="sldNum" idx="2"/>
           </p:nvPr>
         </p:nvSpPr>
         <p:spPr>
           <a:xfrm>
             <a:off x="7004880" y="9465120"/>
-            <a:ext cx="453240" cy="798480"/>
+            <a:ext cx="452880" cy="798120"/>
           </a:xfrm>
           <a:prstGeom prst="rect">
             <a:avLst/>
@@ -2287,7 +1510,7 @@
         </p:spPr>
         <p:txBody>
           <a:bodyPr lIns="91440" rIns="91440" tIns="91440" bIns="91440" anchor="ctr">
-            <a:normAutofit/>
+            <a:noAutofit/>
           </a:bodyPr>
           <a:lstStyle>
             <a:lvl1pPr indent="0" algn="r">
@@ -2317,7 +1540,7 @@
                 <a:tab algn="l" pos="0"/>
               </a:tabLst>
             </a:pPr>
-            <a:fld id="{AC8DA3FE-5E25-457B-88B3-BB899B82F3E2}" type="slidenum">
+            <a:fld id="{A3C4909C-8693-4F0E-B48B-A23BB05F1993}" type="slidenum">
               <a:rPr b="0" lang="ru" sz="1000" spc="-1" strike="noStrike">
                 <a:solidFill>
                   <a:schemeClr val="dk2"/>
@@ -2371,7 +1594,7 @@
       </p:grpSpPr>
       <p:sp>
         <p:nvSpPr>
-          <p:cNvPr id="8" name="PlaceHolder 1"/>
+          <p:cNvPr id="6" name="PlaceHolder 1"/>
           <p:cNvSpPr>
             <a:spLocks noGrp="1"/>
           </p:cNvSpPr>
@@ -2382,7 +1605,7 @@
         <p:spPr>
           <a:xfrm>
             <a:off x="7004880" y="9465120"/>
-            <a:ext cx="453240" cy="798480"/>
+            <a:ext cx="452880" cy="798120"/>
           </a:xfrm>
           <a:prstGeom prst="rect">
             <a:avLst/>
@@ -2394,7 +1617,7 @@
         </p:spPr>
         <p:txBody>
           <a:bodyPr lIns="91440" rIns="91440" tIns="91440" bIns="91440" anchor="ctr">
-            <a:normAutofit/>
+            <a:noAutofit/>
           </a:bodyPr>
           <a:lstStyle>
             <a:lvl1pPr indent="0" algn="r">
@@ -2424,7 +1647,7 @@
                 <a:tab algn="l" pos="0"/>
               </a:tabLst>
             </a:pPr>
-            <a:fld id="{0D167F6C-D1BB-4B01-ADA4-542825578181}" type="slidenum">
+            <a:fld id="{EA10B5C0-45B3-4241-813A-CE5429BA3BEE}" type="slidenum">
               <a:rPr b="0" lang="ru" sz="1000" spc="-1" strike="noStrike">
                 <a:solidFill>
                   <a:schemeClr val="dk2"/>
@@ -2478,18 +1701,18 @@
       </p:grpSpPr>
       <p:sp>
         <p:nvSpPr>
-          <p:cNvPr id="9" name="PlaceHolder 1"/>
+          <p:cNvPr id="7" name="PlaceHolder 1"/>
           <p:cNvSpPr>
             <a:spLocks noGrp="1"/>
           </p:cNvSpPr>
           <p:nvPr>
-            <p:ph type="title"/>
+            <p:ph type="sldNum" idx="4"/>
           </p:nvPr>
         </p:nvSpPr>
         <p:spPr>
           <a:xfrm>
-            <a:off x="257760" y="4365720"/>
-            <a:ext cx="7044120" cy="1708200"/>
+            <a:off x="7004880" y="9465120"/>
+            <a:ext cx="452880" cy="798120"/>
           </a:xfrm>
           <a:prstGeom prst="rect">
             <a:avLst/>
@@ -2501,56 +1724,7 @@
         </p:spPr>
         <p:txBody>
           <a:bodyPr lIns="91440" rIns="91440" tIns="91440" bIns="91440" anchor="ctr">
-            <a:normAutofit/>
-          </a:bodyPr>
-          <a:p>
-            <a:pPr indent="0">
-              <a:buNone/>
-            </a:pPr>
-            <a:r>
-              <a:rPr b="0" lang="ru-RU" sz="3600" spc="-1" strike="noStrike">
-                <a:solidFill>
-                  <a:srgbClr val="000000"/>
-                </a:solidFill>
-                <a:latin typeface="Arial"/>
-              </a:rPr>
-              <a:t>Для правки текста заглавия щёлкните мышью</a:t>
-            </a:r>
-            <a:endParaRPr b="0" lang="ru-RU" sz="3600" spc="-1" strike="noStrike">
-              <a:solidFill>
-                <a:srgbClr val="000000"/>
-              </a:solidFill>
-              <a:latin typeface="Arial"/>
-            </a:endParaRPr>
-          </a:p>
-        </p:txBody>
-      </p:sp>
-      <p:sp>
-        <p:nvSpPr>
-          <p:cNvPr id="10" name="PlaceHolder 2"/>
-          <p:cNvSpPr>
-            <a:spLocks noGrp="1"/>
-          </p:cNvSpPr>
-          <p:nvPr>
-            <p:ph type="sldNum" idx="4"/>
-          </p:nvPr>
-        </p:nvSpPr>
-        <p:spPr>
-          <a:xfrm>
-            <a:off x="7004880" y="9465120"/>
-            <a:ext cx="453240" cy="798480"/>
-          </a:xfrm>
-          <a:prstGeom prst="rect">
-            <a:avLst/>
-          </a:prstGeom>
-          <a:noFill/>
-          <a:ln w="0">
-            <a:noFill/>
-          </a:ln>
-        </p:spPr>
-        <p:txBody>
-          <a:bodyPr lIns="91440" rIns="91440" tIns="91440" bIns="91440" anchor="ctr">
-            <a:normAutofit/>
+            <a:noAutofit/>
           </a:bodyPr>
           <a:lstStyle>
             <a:lvl1pPr indent="0" algn="r">
@@ -2580,7 +1754,7 @@
                 <a:tab algn="l" pos="0"/>
               </a:tabLst>
             </a:pPr>
-            <a:fld id="{960290C1-DD06-4FF4-887E-4D3DF3EF4BAB}" type="slidenum">
+            <a:fld id="{A488CB80-7A12-463A-B13A-74C06B9489B3}" type="slidenum">
               <a:rPr b="0" lang="ru" sz="1000" spc="-1" strike="noStrike">
                 <a:solidFill>
                   <a:schemeClr val="dk2"/>
@@ -2634,7 +1808,7 @@
       </p:grpSpPr>
       <p:sp>
         <p:nvSpPr>
-          <p:cNvPr id="11" name="PlaceHolder 1"/>
+          <p:cNvPr id="8" name="PlaceHolder 1"/>
           <p:cNvSpPr>
             <a:spLocks noGrp="1"/>
           </p:cNvSpPr>
@@ -2644,8 +1818,8 @@
         </p:nvSpPr>
         <p:spPr>
           <a:xfrm>
-            <a:off x="257760" y="903240"/>
-            <a:ext cx="7044120" cy="1162080"/>
+            <a:off x="257760" y="1511280"/>
+            <a:ext cx="7043760" cy="4165560"/>
           </a:xfrm>
           <a:prstGeom prst="rect">
             <a:avLst/>
@@ -2656,15 +1830,15 @@
           </a:ln>
         </p:spPr>
         <p:txBody>
-          <a:bodyPr lIns="91440" rIns="91440" tIns="91440" bIns="91440" anchor="t">
-            <a:normAutofit/>
+          <a:bodyPr lIns="0" rIns="0" tIns="0" bIns="0" anchor="ctr">
+            <a:noAutofit/>
           </a:bodyPr>
           <a:p>
             <a:pPr indent="0">
               <a:buNone/>
             </a:pPr>
             <a:r>
-              <a:rPr b="0" lang="ru-RU" sz="2800" spc="-1" strike="noStrike">
+              <a:rPr b="0" lang="ru-RU" sz="1800" spc="-1" strike="noStrike">
                 <a:solidFill>
                   <a:srgbClr val="000000"/>
                 </a:solidFill>
@@ -2672,7 +1846,7 @@
               </a:rPr>
               <a:t>Для правки текста заглавия щёлкните мышью</a:t>
             </a:r>
-            <a:endParaRPr b="0" lang="ru-RU" sz="2800" spc="-1" strike="noStrike">
+            <a:endParaRPr b="0" lang="ru-RU" sz="1800" spc="-1" strike="noStrike">
               <a:solidFill>
                 <a:srgbClr val="000000"/>
               </a:solidFill>
@@ -2683,7 +1857,7 @@
       </p:sp>
       <p:sp>
         <p:nvSpPr>
-          <p:cNvPr id="12" name="PlaceHolder 2"/>
+          <p:cNvPr id="9" name="PlaceHolder 2"/>
           <p:cNvSpPr>
             <a:spLocks noGrp="1"/>
           </p:cNvSpPr>
@@ -2693,8 +1867,8 @@
         </p:nvSpPr>
         <p:spPr>
           <a:xfrm>
-            <a:off x="257760" y="2339280"/>
-            <a:ext cx="7044120" cy="6934320"/>
+            <a:off x="378000" y="2442960"/>
+            <a:ext cx="6803280" cy="6054480"/>
           </a:xfrm>
           <a:prstGeom prst="rect">
             <a:avLst/>
@@ -2705,7 +1879,7 @@
           </a:ln>
         </p:spPr>
         <p:txBody>
-          <a:bodyPr lIns="91440" rIns="91440" tIns="91440" bIns="91440" anchor="t">
+          <a:bodyPr lIns="0" rIns="0" tIns="0" bIns="0" anchor="t">
             <a:normAutofit/>
           </a:bodyPr>
           <a:p>
@@ -2908,7 +2082,7 @@
       </p:sp>
       <p:sp>
         <p:nvSpPr>
-          <p:cNvPr id="13" name="PlaceHolder 3"/>
+          <p:cNvPr id="10" name="PlaceHolder 3"/>
           <p:cNvSpPr>
             <a:spLocks noGrp="1"/>
           </p:cNvSpPr>
@@ -2919,7 +2093,7 @@
         <p:spPr>
           <a:xfrm>
             <a:off x="7004880" y="9465120"/>
-            <a:ext cx="453240" cy="798480"/>
+            <a:ext cx="452880" cy="798120"/>
           </a:xfrm>
           <a:prstGeom prst="rect">
             <a:avLst/>
@@ -2931,7 +2105,7 @@
         </p:spPr>
         <p:txBody>
           <a:bodyPr lIns="91440" rIns="91440" tIns="91440" bIns="91440" anchor="ctr">
-            <a:normAutofit/>
+            <a:noAutofit/>
           </a:bodyPr>
           <a:lstStyle>
             <a:lvl1pPr indent="0" algn="r">
@@ -2961,7 +2135,7 @@
                 <a:tab algn="l" pos="0"/>
               </a:tabLst>
             </a:pPr>
-            <a:fld id="{6464DB7F-6C67-4ED2-B1AC-4F829D325FF6}" type="slidenum">
+            <a:fld id="{CA2E1BC9-1B66-402D-86D6-FB72AD02779F}" type="slidenum">
               <a:rPr b="0" lang="ru" sz="1000" spc="-1" strike="noStrike">
                 <a:solidFill>
                   <a:schemeClr val="dk2"/>
@@ -3015,7 +2189,7 @@
       </p:grpSpPr>
       <p:sp>
         <p:nvSpPr>
-          <p:cNvPr id="16" name="PlaceHolder 1"/>
+          <p:cNvPr id="13" name="PlaceHolder 1"/>
           <p:cNvSpPr>
             <a:spLocks noGrp="1"/>
           </p:cNvSpPr>
@@ -3025,8 +2199,8 @@
         </p:nvSpPr>
         <p:spPr>
           <a:xfrm>
-            <a:off x="257760" y="903240"/>
-            <a:ext cx="7044120" cy="1162080"/>
+            <a:off x="257760" y="1511280"/>
+            <a:ext cx="7043760" cy="4165560"/>
           </a:xfrm>
           <a:prstGeom prst="rect">
             <a:avLst/>
@@ -3037,15 +2211,15 @@
           </a:ln>
         </p:spPr>
         <p:txBody>
-          <a:bodyPr lIns="91440" rIns="91440" tIns="91440" bIns="91440" anchor="t">
-            <a:normAutofit/>
+          <a:bodyPr lIns="0" rIns="0" tIns="0" bIns="0" anchor="ctr">
+            <a:noAutofit/>
           </a:bodyPr>
           <a:p>
             <a:pPr indent="0">
               <a:buNone/>
             </a:pPr>
             <a:r>
-              <a:rPr b="0" lang="ru-RU" sz="2800" spc="-1" strike="noStrike">
+              <a:rPr b="0" lang="ru-RU" sz="1800" spc="-1" strike="noStrike">
                 <a:solidFill>
                   <a:srgbClr val="000000"/>
                 </a:solidFill>
@@ -3053,7 +2227,7 @@
               </a:rPr>
               <a:t>Для правки текста заглавия щёлкните мышью</a:t>
             </a:r>
-            <a:endParaRPr b="0" lang="ru-RU" sz="2800" spc="-1" strike="noStrike">
+            <a:endParaRPr b="0" lang="ru-RU" sz="1800" spc="-1" strike="noStrike">
               <a:solidFill>
                 <a:srgbClr val="000000"/>
               </a:solidFill>
@@ -3064,7 +2238,7 @@
       </p:sp>
       <p:sp>
         <p:nvSpPr>
-          <p:cNvPr id="17" name="PlaceHolder 2"/>
+          <p:cNvPr id="14" name="PlaceHolder 2"/>
           <p:cNvSpPr>
             <a:spLocks noGrp="1"/>
           </p:cNvSpPr>
@@ -3074,8 +2248,8 @@
         </p:nvSpPr>
         <p:spPr>
           <a:xfrm>
-            <a:off x="257760" y="2339280"/>
-            <a:ext cx="3306600" cy="6934320"/>
+            <a:off x="378000" y="2442960"/>
+            <a:ext cx="3319560" cy="6054480"/>
           </a:xfrm>
           <a:prstGeom prst="rect">
             <a:avLst/>
@@ -3086,8 +2260,8 @@
           </a:ln>
         </p:spPr>
         <p:txBody>
-          <a:bodyPr lIns="91440" rIns="91440" tIns="91440" bIns="91440" anchor="t">
-            <a:normAutofit fontScale="80696"/>
+          <a:bodyPr lIns="0" rIns="0" tIns="0" bIns="0" anchor="t">
+            <a:normAutofit fontScale="87222" lnSpcReduction="20000"/>
           </a:bodyPr>
           <a:p>
             <a:pPr marL="432000" indent="-324000">
@@ -3102,7 +2276,7 @@
               <a:buChar char=""/>
             </a:pPr>
             <a:r>
-              <a:rPr b="0" lang="ru-RU" sz="1400" spc="-1" strike="noStrike">
+              <a:rPr b="0" lang="ru-RU" sz="1800" spc="-1" strike="noStrike">
                 <a:solidFill>
                   <a:srgbClr val="000000"/>
                 </a:solidFill>
@@ -3110,7 +2284,7 @@
               </a:rPr>
               <a:t>Для правки структуры щёлкните мышью</a:t>
             </a:r>
-            <a:endParaRPr b="0" lang="ru-RU" sz="1400" spc="-1" strike="noStrike">
+            <a:endParaRPr b="0" lang="ru-RU" sz="1800" spc="-1" strike="noStrike">
               <a:solidFill>
                 <a:srgbClr val="000000"/>
               </a:solidFill>
@@ -3130,7 +2304,7 @@
               <a:buChar char=""/>
             </a:pPr>
             <a:r>
-              <a:rPr b="0" lang="ru-RU" sz="1400" spc="-1" strike="noStrike">
+              <a:rPr b="0" lang="ru-RU" sz="1800" spc="-1" strike="noStrike">
                 <a:solidFill>
                   <a:srgbClr val="000000"/>
                 </a:solidFill>
@@ -3138,7 +2312,7 @@
               </a:rPr>
               <a:t>Второй уровень структуры</a:t>
             </a:r>
-            <a:endParaRPr b="0" lang="ru-RU" sz="1400" spc="-1" strike="noStrike">
+            <a:endParaRPr b="0" lang="ru-RU" sz="1800" spc="-1" strike="noStrike">
               <a:solidFill>
                 <a:srgbClr val="000000"/>
               </a:solidFill>
@@ -3158,7 +2332,7 @@
               <a:buChar char=""/>
             </a:pPr>
             <a:r>
-              <a:rPr b="0" lang="ru-RU" sz="1400" spc="-1" strike="noStrike">
+              <a:rPr b="0" lang="ru-RU" sz="1800" spc="-1" strike="noStrike">
                 <a:solidFill>
                   <a:srgbClr val="000000"/>
                 </a:solidFill>
@@ -3166,7 +2340,7 @@
               </a:rPr>
               <a:t>Третий уровень структуры</a:t>
             </a:r>
-            <a:endParaRPr b="0" lang="ru-RU" sz="1400" spc="-1" strike="noStrike">
+            <a:endParaRPr b="0" lang="ru-RU" sz="1800" spc="-1" strike="noStrike">
               <a:solidFill>
                 <a:srgbClr val="000000"/>
               </a:solidFill>
@@ -3186,7 +2360,7 @@
               <a:buChar char=""/>
             </a:pPr>
             <a:r>
-              <a:rPr b="0" lang="ru-RU" sz="1400" spc="-1" strike="noStrike">
+              <a:rPr b="0" lang="ru-RU" sz="1800" spc="-1" strike="noStrike">
                 <a:solidFill>
                   <a:srgbClr val="000000"/>
                 </a:solidFill>
@@ -3194,7 +2368,7 @@
               </a:rPr>
               <a:t>Четвёртый уровень структуры</a:t>
             </a:r>
-            <a:endParaRPr b="0" lang="ru-RU" sz="1400" spc="-1" strike="noStrike">
+            <a:endParaRPr b="0" lang="ru-RU" sz="1800" spc="-1" strike="noStrike">
               <a:solidFill>
                 <a:srgbClr val="000000"/>
               </a:solidFill>
@@ -3214,7 +2388,7 @@
               <a:buChar char=""/>
             </a:pPr>
             <a:r>
-              <a:rPr b="0" lang="ru-RU" sz="1400" spc="-1" strike="noStrike">
+              <a:rPr b="0" lang="ru-RU" sz="1800" spc="-1" strike="noStrike">
                 <a:solidFill>
                   <a:srgbClr val="000000"/>
                 </a:solidFill>
@@ -3222,7 +2396,7 @@
               </a:rPr>
               <a:t>Пятый уровень структуры</a:t>
             </a:r>
-            <a:endParaRPr b="0" lang="ru-RU" sz="1400" spc="-1" strike="noStrike">
+            <a:endParaRPr b="0" lang="ru-RU" sz="1800" spc="-1" strike="noStrike">
               <a:solidFill>
                 <a:srgbClr val="000000"/>
               </a:solidFill>
@@ -3242,7 +2416,7 @@
               <a:buChar char=""/>
             </a:pPr>
             <a:r>
-              <a:rPr b="0" lang="ru-RU" sz="1400" spc="-1" strike="noStrike">
+              <a:rPr b="0" lang="ru-RU" sz="1800" spc="-1" strike="noStrike">
                 <a:solidFill>
                   <a:srgbClr val="000000"/>
                 </a:solidFill>
@@ -3250,7 +2424,7 @@
               </a:rPr>
               <a:t>Шестой уровень структуры</a:t>
             </a:r>
-            <a:endParaRPr b="0" lang="ru-RU" sz="1400" spc="-1" strike="noStrike">
+            <a:endParaRPr b="0" lang="ru-RU" sz="1800" spc="-1" strike="noStrike">
               <a:solidFill>
                 <a:srgbClr val="000000"/>
               </a:solidFill>
@@ -3270,7 +2444,7 @@
               <a:buChar char=""/>
             </a:pPr>
             <a:r>
-              <a:rPr b="0" lang="ru-RU" sz="1400" spc="-1" strike="noStrike">
+              <a:rPr b="0" lang="ru-RU" sz="1800" spc="-1" strike="noStrike">
                 <a:solidFill>
                   <a:srgbClr val="000000"/>
                 </a:solidFill>
@@ -3278,7 +2452,7 @@
               </a:rPr>
               <a:t>Седьмой уровень структуры</a:t>
             </a:r>
-            <a:endParaRPr b="0" lang="ru-RU" sz="1400" spc="-1" strike="noStrike">
+            <a:endParaRPr b="0" lang="ru-RU" sz="1800" spc="-1" strike="noStrike">
               <a:solidFill>
                 <a:srgbClr val="000000"/>
               </a:solidFill>
@@ -3289,7 +2463,7 @@
       </p:sp>
       <p:sp>
         <p:nvSpPr>
-          <p:cNvPr id="18" name="PlaceHolder 3"/>
+          <p:cNvPr id="15" name="PlaceHolder 3"/>
           <p:cNvSpPr>
             <a:spLocks noGrp="1"/>
           </p:cNvSpPr>
@@ -3299,8 +2473,8 @@
         </p:nvSpPr>
         <p:spPr>
           <a:xfrm>
-            <a:off x="3995280" y="2339280"/>
-            <a:ext cx="3306600" cy="6934320"/>
+            <a:off x="3864240" y="2442960"/>
+            <a:ext cx="3319560" cy="6054480"/>
           </a:xfrm>
           <a:prstGeom prst="rect">
             <a:avLst/>
@@ -3311,8 +2485,8 @@
           </a:ln>
         </p:spPr>
         <p:txBody>
-          <a:bodyPr lIns="91440" rIns="91440" tIns="91440" bIns="91440" anchor="t">
-            <a:normAutofit fontScale="80696"/>
+          <a:bodyPr lIns="0" rIns="0" tIns="0" bIns="0" anchor="t">
+            <a:normAutofit fontScale="87222" lnSpcReduction="20000"/>
           </a:bodyPr>
           <a:p>
             <a:pPr marL="432000" indent="-324000">
@@ -3327,7 +2501,7 @@
               <a:buChar char=""/>
             </a:pPr>
             <a:r>
-              <a:rPr b="0" lang="ru-RU" sz="1400" spc="-1" strike="noStrike">
+              <a:rPr b="0" lang="ru-RU" sz="1800" spc="-1" strike="noStrike">
                 <a:solidFill>
                   <a:srgbClr val="000000"/>
                 </a:solidFill>
@@ -3335,7 +2509,7 @@
               </a:rPr>
               <a:t>Для правки структуры щёлкните мышью</a:t>
             </a:r>
-            <a:endParaRPr b="0" lang="ru-RU" sz="1400" spc="-1" strike="noStrike">
+            <a:endParaRPr b="0" lang="ru-RU" sz="1800" spc="-1" strike="noStrike">
               <a:solidFill>
                 <a:srgbClr val="000000"/>
               </a:solidFill>
@@ -3355,7 +2529,7 @@
               <a:buChar char=""/>
             </a:pPr>
             <a:r>
-              <a:rPr b="0" lang="ru-RU" sz="1400" spc="-1" strike="noStrike">
+              <a:rPr b="0" lang="ru-RU" sz="1800" spc="-1" strike="noStrike">
                 <a:solidFill>
                   <a:srgbClr val="000000"/>
                 </a:solidFill>
@@ -3363,7 +2537,7 @@
               </a:rPr>
               <a:t>Второй уровень структуры</a:t>
             </a:r>
-            <a:endParaRPr b="0" lang="ru-RU" sz="1400" spc="-1" strike="noStrike">
+            <a:endParaRPr b="0" lang="ru-RU" sz="1800" spc="-1" strike="noStrike">
               <a:solidFill>
                 <a:srgbClr val="000000"/>
               </a:solidFill>
@@ -3383,7 +2557,7 @@
               <a:buChar char=""/>
             </a:pPr>
             <a:r>
-              <a:rPr b="0" lang="ru-RU" sz="1400" spc="-1" strike="noStrike">
+              <a:rPr b="0" lang="ru-RU" sz="1800" spc="-1" strike="noStrike">
                 <a:solidFill>
                   <a:srgbClr val="000000"/>
                 </a:solidFill>
@@ -3391,7 +2565,7 @@
               </a:rPr>
               <a:t>Третий уровень структуры</a:t>
             </a:r>
-            <a:endParaRPr b="0" lang="ru-RU" sz="1400" spc="-1" strike="noStrike">
+            <a:endParaRPr b="0" lang="ru-RU" sz="1800" spc="-1" strike="noStrike">
               <a:solidFill>
                 <a:srgbClr val="000000"/>
               </a:solidFill>
@@ -3411,7 +2585,7 @@
               <a:buChar char=""/>
             </a:pPr>
             <a:r>
-              <a:rPr b="0" lang="ru-RU" sz="1400" spc="-1" strike="noStrike">
+              <a:rPr b="0" lang="ru-RU" sz="1800" spc="-1" strike="noStrike">
                 <a:solidFill>
                   <a:srgbClr val="000000"/>
                 </a:solidFill>
@@ -3419,7 +2593,7 @@
               </a:rPr>
               <a:t>Четвёртый уровень структуры</a:t>
             </a:r>
-            <a:endParaRPr b="0" lang="ru-RU" sz="1400" spc="-1" strike="noStrike">
+            <a:endParaRPr b="0" lang="ru-RU" sz="1800" spc="-1" strike="noStrike">
               <a:solidFill>
                 <a:srgbClr val="000000"/>
               </a:solidFill>
@@ -3439,7 +2613,7 @@
               <a:buChar char=""/>
             </a:pPr>
             <a:r>
-              <a:rPr b="0" lang="ru-RU" sz="1400" spc="-1" strike="noStrike">
+              <a:rPr b="0" lang="ru-RU" sz="1800" spc="-1" strike="noStrike">
                 <a:solidFill>
                   <a:srgbClr val="000000"/>
                 </a:solidFill>
@@ -3447,7 +2621,7 @@
               </a:rPr>
               <a:t>Пятый уровень структуры</a:t>
             </a:r>
-            <a:endParaRPr b="0" lang="ru-RU" sz="1400" spc="-1" strike="noStrike">
+            <a:endParaRPr b="0" lang="ru-RU" sz="1800" spc="-1" strike="noStrike">
               <a:solidFill>
                 <a:srgbClr val="000000"/>
               </a:solidFill>
@@ -3467,7 +2641,7 @@
               <a:buChar char=""/>
             </a:pPr>
             <a:r>
-              <a:rPr b="0" lang="ru-RU" sz="1400" spc="-1" strike="noStrike">
+              <a:rPr b="0" lang="ru-RU" sz="1800" spc="-1" strike="noStrike">
                 <a:solidFill>
                   <a:srgbClr val="000000"/>
                 </a:solidFill>
@@ -3475,7 +2649,7 @@
               </a:rPr>
               <a:t>Шестой уровень структуры</a:t>
             </a:r>
-            <a:endParaRPr b="0" lang="ru-RU" sz="1400" spc="-1" strike="noStrike">
+            <a:endParaRPr b="0" lang="ru-RU" sz="1800" spc="-1" strike="noStrike">
               <a:solidFill>
                 <a:srgbClr val="000000"/>
               </a:solidFill>
@@ -3495,7 +2669,7 @@
               <a:buChar char=""/>
             </a:pPr>
             <a:r>
-              <a:rPr b="0" lang="ru-RU" sz="1400" spc="-1" strike="noStrike">
+              <a:rPr b="0" lang="ru-RU" sz="1800" spc="-1" strike="noStrike">
                 <a:solidFill>
                   <a:srgbClr val="000000"/>
                 </a:solidFill>
@@ -3503,7 +2677,7 @@
               </a:rPr>
               <a:t>Седьмой уровень структуры</a:t>
             </a:r>
-            <a:endParaRPr b="0" lang="ru-RU" sz="1400" spc="-1" strike="noStrike">
+            <a:endParaRPr b="0" lang="ru-RU" sz="1800" spc="-1" strike="noStrike">
               <a:solidFill>
                 <a:srgbClr val="000000"/>
               </a:solidFill>
@@ -3514,7 +2688,7 @@
       </p:sp>
       <p:sp>
         <p:nvSpPr>
-          <p:cNvPr id="19" name="PlaceHolder 4"/>
+          <p:cNvPr id="16" name="PlaceHolder 4"/>
           <p:cNvSpPr>
             <a:spLocks noGrp="1"/>
           </p:cNvSpPr>
@@ -3525,7 +2699,7 @@
         <p:spPr>
           <a:xfrm>
             <a:off x="7004880" y="9465120"/>
-            <a:ext cx="453240" cy="798480"/>
+            <a:ext cx="452880" cy="798120"/>
           </a:xfrm>
           <a:prstGeom prst="rect">
             <a:avLst/>
@@ -3537,7 +2711,7 @@
         </p:spPr>
         <p:txBody>
           <a:bodyPr lIns="91440" rIns="91440" tIns="91440" bIns="91440" anchor="ctr">
-            <a:normAutofit/>
+            <a:noAutofit/>
           </a:bodyPr>
           <a:lstStyle>
             <a:lvl1pPr indent="0" algn="r">
@@ -3567,7 +2741,7 @@
                 <a:tab algn="l" pos="0"/>
               </a:tabLst>
             </a:pPr>
-            <a:fld id="{D1A77680-E727-440A-BA67-04118EFE6D71}" type="slidenum">
+            <a:fld id="{EF2DB66F-8058-4C39-9608-BF245846B677}" type="slidenum">
               <a:rPr b="0" lang="ru" sz="1000" spc="-1" strike="noStrike">
                 <a:solidFill>
                   <a:schemeClr val="dk2"/>
@@ -3621,7 +2795,7 @@
       </p:grpSpPr>
       <p:sp>
         <p:nvSpPr>
-          <p:cNvPr id="23" name="PlaceHolder 1"/>
+          <p:cNvPr id="20" name="PlaceHolder 1"/>
           <p:cNvSpPr>
             <a:spLocks noGrp="1"/>
           </p:cNvSpPr>
@@ -3631,8 +2805,8 @@
         </p:nvSpPr>
         <p:spPr>
           <a:xfrm>
-            <a:off x="257760" y="903240"/>
-            <a:ext cx="7044120" cy="1162080"/>
+            <a:off x="257760" y="1511280"/>
+            <a:ext cx="7043760" cy="4165560"/>
           </a:xfrm>
           <a:prstGeom prst="rect">
             <a:avLst/>
@@ -3643,15 +2817,15 @@
           </a:ln>
         </p:spPr>
         <p:txBody>
-          <a:bodyPr lIns="91440" rIns="91440" tIns="91440" bIns="91440" anchor="t">
-            <a:normAutofit/>
+          <a:bodyPr lIns="0" rIns="0" tIns="0" bIns="0" anchor="ctr">
+            <a:noAutofit/>
           </a:bodyPr>
           <a:p>
             <a:pPr indent="0">
               <a:buNone/>
             </a:pPr>
             <a:r>
-              <a:rPr b="0" lang="ru-RU" sz="2800" spc="-1" strike="noStrike">
+              <a:rPr b="0" lang="ru-RU" sz="1800" spc="-1" strike="noStrike">
                 <a:solidFill>
                   <a:srgbClr val="000000"/>
                 </a:solidFill>
@@ -3659,7 +2833,7 @@
               </a:rPr>
               <a:t>Для правки текста заглавия щёлкните мышью</a:t>
             </a:r>
-            <a:endParaRPr b="0" lang="ru-RU" sz="2800" spc="-1" strike="noStrike">
+            <a:endParaRPr b="0" lang="ru-RU" sz="1800" spc="-1" strike="noStrike">
               <a:solidFill>
                 <a:srgbClr val="000000"/>
               </a:solidFill>
@@ -3670,7 +2844,7 @@
       </p:sp>
       <p:sp>
         <p:nvSpPr>
-          <p:cNvPr id="24" name="PlaceHolder 2"/>
+          <p:cNvPr id="21" name="PlaceHolder 2"/>
           <p:cNvSpPr>
             <a:spLocks noGrp="1"/>
           </p:cNvSpPr>
@@ -3681,7 +2855,7 @@
         <p:spPr>
           <a:xfrm>
             <a:off x="7004880" y="9465120"/>
-            <a:ext cx="453240" cy="798480"/>
+            <a:ext cx="452880" cy="798120"/>
           </a:xfrm>
           <a:prstGeom prst="rect">
             <a:avLst/>
@@ -3693,7 +2867,7 @@
         </p:spPr>
         <p:txBody>
           <a:bodyPr lIns="91440" rIns="91440" tIns="91440" bIns="91440" anchor="ctr">
-            <a:normAutofit/>
+            <a:noAutofit/>
           </a:bodyPr>
           <a:lstStyle>
             <a:lvl1pPr indent="0" algn="r">
@@ -3723,7 +2897,7 @@
                 <a:tab algn="l" pos="0"/>
               </a:tabLst>
             </a:pPr>
-            <a:fld id="{D50D6B5F-86C2-4DA6-9F41-D12230A28B7A}" type="slidenum">
+            <a:fld id="{5EF45625-4C77-4659-93E4-5A608836D871}" type="slidenum">
               <a:rPr b="0" lang="ru" sz="1000" spc="-1" strike="noStrike">
                 <a:solidFill>
                   <a:schemeClr val="dk2"/>
@@ -3777,281 +2951,7 @@
       </p:grpSpPr>
       <p:sp>
         <p:nvSpPr>
-          <p:cNvPr id="26" name="PlaceHolder 1"/>
-          <p:cNvSpPr>
-            <a:spLocks noGrp="1"/>
-          </p:cNvSpPr>
-          <p:nvPr>
-            <p:ph type="title"/>
-          </p:nvPr>
-        </p:nvSpPr>
-        <p:spPr>
-          <a:xfrm>
-            <a:off x="257760" y="1127880"/>
-            <a:ext cx="2321280" cy="1533600"/>
-          </a:xfrm>
-          <a:prstGeom prst="rect">
-            <a:avLst/>
-          </a:prstGeom>
-          <a:noFill/>
-          <a:ln w="0">
-            <a:noFill/>
-          </a:ln>
-        </p:spPr>
-        <p:txBody>
-          <a:bodyPr lIns="91440" rIns="91440" tIns="91440" bIns="91440" anchor="b">
-            <a:normAutofit fontScale="93713"/>
-          </a:bodyPr>
-          <a:p>
-            <a:pPr indent="0">
-              <a:buNone/>
-            </a:pPr>
-            <a:r>
-              <a:rPr b="0" lang="ru-RU" sz="2400" spc="-1" strike="noStrike">
-                <a:solidFill>
-                  <a:srgbClr val="000000"/>
-                </a:solidFill>
-                <a:latin typeface="Arial"/>
-              </a:rPr>
-              <a:t>Для правки текста заглавия щёлкните мышью</a:t>
-            </a:r>
-            <a:endParaRPr b="0" lang="ru-RU" sz="2400" spc="-1" strike="noStrike">
-              <a:solidFill>
-                <a:srgbClr val="000000"/>
-              </a:solidFill>
-              <a:latin typeface="Arial"/>
-            </a:endParaRPr>
-          </a:p>
-        </p:txBody>
-      </p:sp>
-      <p:sp>
-        <p:nvSpPr>
-          <p:cNvPr id="27" name="PlaceHolder 2"/>
-          <p:cNvSpPr>
-            <a:spLocks noGrp="1"/>
-          </p:cNvSpPr>
-          <p:nvPr>
-            <p:ph type="body"/>
-          </p:nvPr>
-        </p:nvSpPr>
-        <p:spPr>
-          <a:xfrm>
-            <a:off x="257760" y="2820600"/>
-            <a:ext cx="2321280" cy="6453000"/>
-          </a:xfrm>
-          <a:prstGeom prst="rect">
-            <a:avLst/>
-          </a:prstGeom>
-          <a:noFill/>
-          <a:ln w="0">
-            <a:noFill/>
-          </a:ln>
-        </p:spPr>
-        <p:txBody>
-          <a:bodyPr lIns="91440" rIns="91440" tIns="91440" bIns="91440" anchor="t">
-            <a:normAutofit fontScale="49205" lnSpcReduction="20000"/>
-          </a:bodyPr>
-          <a:p>
-            <a:pPr marL="432000" indent="-324000">
-              <a:spcBef>
-                <a:spcPts val="1417"/>
-              </a:spcBef>
-              <a:buClr>
-                <a:srgbClr val="000000"/>
-              </a:buClr>
-              <a:buSzPct val="45000"/>
-              <a:buFont typeface="Wingdings" charset="2"/>
-              <a:buChar char=""/>
-            </a:pPr>
-            <a:r>
-              <a:rPr b="0" lang="ru-RU" sz="1200" spc="-1" strike="noStrike">
-                <a:solidFill>
-                  <a:srgbClr val="000000"/>
-                </a:solidFill>
-                <a:latin typeface="Arial"/>
-              </a:rPr>
-              <a:t>Для правки структуры щёлкните мышью</a:t>
-            </a:r>
-            <a:endParaRPr b="0" lang="ru-RU" sz="1200" spc="-1" strike="noStrike">
-              <a:solidFill>
-                <a:srgbClr val="000000"/>
-              </a:solidFill>
-              <a:latin typeface="Arial"/>
-            </a:endParaRPr>
-          </a:p>
-          <a:p>
-            <a:pPr lvl="1" marL="864000" indent="-324000">
-              <a:spcBef>
-                <a:spcPts val="1134"/>
-              </a:spcBef>
-              <a:buClr>
-                <a:srgbClr val="000000"/>
-              </a:buClr>
-              <a:buSzPct val="75000"/>
-              <a:buFont typeface="Symbol" charset="2"/>
-              <a:buChar char=""/>
-            </a:pPr>
-            <a:r>
-              <a:rPr b="0" lang="ru-RU" sz="1200" spc="-1" strike="noStrike">
-                <a:solidFill>
-                  <a:srgbClr val="000000"/>
-                </a:solidFill>
-                <a:latin typeface="Arial"/>
-              </a:rPr>
-              <a:t>Второй уровень структуры</a:t>
-            </a:r>
-            <a:endParaRPr b="0" lang="ru-RU" sz="1200" spc="-1" strike="noStrike">
-              <a:solidFill>
-                <a:srgbClr val="000000"/>
-              </a:solidFill>
-              <a:latin typeface="Arial"/>
-            </a:endParaRPr>
-          </a:p>
-          <a:p>
-            <a:pPr lvl="2" marL="1296000" indent="-288000">
-              <a:spcBef>
-                <a:spcPts val="850"/>
-              </a:spcBef>
-              <a:buClr>
-                <a:srgbClr val="000000"/>
-              </a:buClr>
-              <a:buSzPct val="45000"/>
-              <a:buFont typeface="Wingdings" charset="2"/>
-              <a:buChar char=""/>
-            </a:pPr>
-            <a:r>
-              <a:rPr b="0" lang="ru-RU" sz="1200" spc="-1" strike="noStrike">
-                <a:solidFill>
-                  <a:srgbClr val="000000"/>
-                </a:solidFill>
-                <a:latin typeface="Arial"/>
-              </a:rPr>
-              <a:t>Третий уровень структуры</a:t>
-            </a:r>
-            <a:endParaRPr b="0" lang="ru-RU" sz="1200" spc="-1" strike="noStrike">
-              <a:solidFill>
-                <a:srgbClr val="000000"/>
-              </a:solidFill>
-              <a:latin typeface="Arial"/>
-            </a:endParaRPr>
-          </a:p>
-          <a:p>
-            <a:pPr lvl="3" marL="1728000" indent="-216000">
-              <a:spcBef>
-                <a:spcPts val="567"/>
-              </a:spcBef>
-              <a:buClr>
-                <a:srgbClr val="000000"/>
-              </a:buClr>
-              <a:buSzPct val="75000"/>
-              <a:buFont typeface="Symbol" charset="2"/>
-              <a:buChar char=""/>
-            </a:pPr>
-            <a:r>
-              <a:rPr b="0" lang="ru-RU" sz="1200" spc="-1" strike="noStrike">
-                <a:solidFill>
-                  <a:srgbClr val="000000"/>
-                </a:solidFill>
-                <a:latin typeface="Arial"/>
-              </a:rPr>
-              <a:t>Четвёртый уровень структуры</a:t>
-            </a:r>
-            <a:endParaRPr b="0" lang="ru-RU" sz="1200" spc="-1" strike="noStrike">
-              <a:solidFill>
-                <a:srgbClr val="000000"/>
-              </a:solidFill>
-              <a:latin typeface="Arial"/>
-            </a:endParaRPr>
-          </a:p>
-          <a:p>
-            <a:pPr lvl="4" marL="2160000" indent="-216000">
-              <a:spcBef>
-                <a:spcPts val="283"/>
-              </a:spcBef>
-              <a:buClr>
-                <a:srgbClr val="000000"/>
-              </a:buClr>
-              <a:buSzPct val="45000"/>
-              <a:buFont typeface="Wingdings" charset="2"/>
-              <a:buChar char=""/>
-            </a:pPr>
-            <a:r>
-              <a:rPr b="0" lang="ru-RU" sz="1200" spc="-1" strike="noStrike">
-                <a:solidFill>
-                  <a:srgbClr val="000000"/>
-                </a:solidFill>
-                <a:latin typeface="Arial"/>
-              </a:rPr>
-              <a:t>Пятый уровень структуры</a:t>
-            </a:r>
-            <a:endParaRPr b="0" lang="ru-RU" sz="1200" spc="-1" strike="noStrike">
-              <a:solidFill>
-                <a:srgbClr val="000000"/>
-              </a:solidFill>
-              <a:latin typeface="Arial"/>
-            </a:endParaRPr>
-          </a:p>
-          <a:p>
-            <a:pPr lvl="5" marL="2592000" indent="-216000">
-              <a:spcBef>
-                <a:spcPts val="283"/>
-              </a:spcBef>
-              <a:buClr>
-                <a:srgbClr val="000000"/>
-              </a:buClr>
-              <a:buSzPct val="45000"/>
-              <a:buFont typeface="Wingdings" charset="2"/>
-              <a:buChar char=""/>
-            </a:pPr>
-            <a:r>
-              <a:rPr b="0" lang="ru-RU" sz="1200" spc="-1" strike="noStrike">
-                <a:solidFill>
-                  <a:srgbClr val="000000"/>
-                </a:solidFill>
-                <a:latin typeface="Arial"/>
-              </a:rPr>
-              <a:t>Шестой уровень структуры</a:t>
-            </a:r>
-            <a:endParaRPr b="0" lang="ru-RU" sz="1200" spc="-1" strike="noStrike">
-              <a:solidFill>
-                <a:srgbClr val="000000"/>
-              </a:solidFill>
-              <a:latin typeface="Arial"/>
-            </a:endParaRPr>
-          </a:p>
-          <a:p>
-            <a:pPr lvl="6" marL="3024000" indent="-216000">
-              <a:spcBef>
-                <a:spcPts val="283"/>
-              </a:spcBef>
-              <a:buClr>
-                <a:srgbClr val="000000"/>
-              </a:buClr>
-              <a:buSzPct val="45000"/>
-              <a:buFont typeface="Wingdings" charset="2"/>
-              <a:buChar char=""/>
-            </a:pPr>
-            <a:r>
-              <a:rPr b="0" lang="ru-RU" sz="1200" spc="-1" strike="noStrike">
-                <a:solidFill>
-                  <a:srgbClr val="000000"/>
-                </a:solidFill>
-                <a:latin typeface="Arial"/>
-              </a:rPr>
-              <a:t>Седьмой уровень структуры</a:t>
-            </a:r>
-            <a:endParaRPr b="0" lang="ru-RU" sz="1200" spc="-1" strike="noStrike">
-              <a:solidFill>
-                <a:srgbClr val="000000"/>
-              </a:solidFill>
-              <a:latin typeface="Arial"/>
-            </a:endParaRPr>
-          </a:p>
-        </p:txBody>
-      </p:sp>
-      <p:sp>
-        <p:nvSpPr>
-          <p:cNvPr id="28" name="PlaceHolder 3"/>
+          <p:cNvPr id="23" name="PlaceHolder 1"/>
           <p:cNvSpPr>
             <a:spLocks noGrp="1"/>
           </p:cNvSpPr>
@@ -4062,7 +2962,7 @@
         <p:spPr>
           <a:xfrm>
             <a:off x="7004880" y="9465120"/>
-            <a:ext cx="453240" cy="798480"/>
+            <a:ext cx="452880" cy="798120"/>
           </a:xfrm>
           <a:prstGeom prst="rect">
             <a:avLst/>
@@ -4074,7 +2974,7 @@
         </p:spPr>
         <p:txBody>
           <a:bodyPr lIns="91440" rIns="91440" tIns="91440" bIns="91440" anchor="ctr">
-            <a:normAutofit/>
+            <a:noAutofit/>
           </a:bodyPr>
           <a:lstStyle>
             <a:lvl1pPr indent="0" algn="r">
@@ -4104,7 +3004,7 @@
                 <a:tab algn="l" pos="0"/>
               </a:tabLst>
             </a:pPr>
-            <a:fld id="{00902251-3F9C-4E6A-92AD-5513D479B2AE}" type="slidenum">
+            <a:fld id="{D31ACBA6-F9A0-45E8-9660-0C17E3B1287C}" type="slidenum">
               <a:rPr b="0" lang="ru" sz="1000" spc="-1" strike="noStrike">
                 <a:solidFill>
                   <a:schemeClr val="dk2"/>
@@ -4158,18 +3058,18 @@
       </p:grpSpPr>
       <p:sp>
         <p:nvSpPr>
-          <p:cNvPr id="29" name="PlaceHolder 1"/>
+          <p:cNvPr id="24" name="PlaceHolder 1"/>
           <p:cNvSpPr>
             <a:spLocks noGrp="1"/>
           </p:cNvSpPr>
           <p:nvPr>
-            <p:ph type="title"/>
+            <p:ph type="sldNum" idx="9"/>
           </p:nvPr>
         </p:nvSpPr>
         <p:spPr>
           <a:xfrm>
-            <a:off x="405360" y="913680"/>
-            <a:ext cx="5264280" cy="8303040"/>
+            <a:off x="7004880" y="9465120"/>
+            <a:ext cx="452880" cy="798120"/>
           </a:xfrm>
           <a:prstGeom prst="rect">
             <a:avLst/>
@@ -4181,56 +3081,7 @@
         </p:spPr>
         <p:txBody>
           <a:bodyPr lIns="91440" rIns="91440" tIns="91440" bIns="91440" anchor="ctr">
-            <a:normAutofit/>
-          </a:bodyPr>
-          <a:p>
-            <a:pPr indent="0">
-              <a:buNone/>
-            </a:pPr>
-            <a:r>
-              <a:rPr b="0" lang="ru-RU" sz="4800" spc="-1" strike="noStrike">
-                <a:solidFill>
-                  <a:srgbClr val="000000"/>
-                </a:solidFill>
-                <a:latin typeface="Arial"/>
-              </a:rPr>
-              <a:t>Для правки текста заглавия щёлкните мышью</a:t>
-            </a:r>
-            <a:endParaRPr b="0" lang="ru-RU" sz="4800" spc="-1" strike="noStrike">
-              <a:solidFill>
-                <a:srgbClr val="000000"/>
-              </a:solidFill>
-              <a:latin typeface="Arial"/>
-            </a:endParaRPr>
-          </a:p>
-        </p:txBody>
-      </p:sp>
-      <p:sp>
-        <p:nvSpPr>
-          <p:cNvPr id="30" name="PlaceHolder 2"/>
-          <p:cNvSpPr>
-            <a:spLocks noGrp="1"/>
-          </p:cNvSpPr>
-          <p:nvPr>
-            <p:ph type="sldNum" idx="9"/>
-          </p:nvPr>
-        </p:nvSpPr>
-        <p:spPr>
-          <a:xfrm>
-            <a:off x="7004880" y="9465120"/>
-            <a:ext cx="453240" cy="798480"/>
-          </a:xfrm>
-          <a:prstGeom prst="rect">
-            <a:avLst/>
-          </a:prstGeom>
-          <a:noFill/>
-          <a:ln w="0">
-            <a:noFill/>
-          </a:ln>
-        </p:spPr>
-        <p:txBody>
-          <a:bodyPr lIns="91440" rIns="91440" tIns="91440" bIns="91440" anchor="ctr">
-            <a:normAutofit/>
+            <a:noAutofit/>
           </a:bodyPr>
           <a:lstStyle>
             <a:lvl1pPr indent="0" algn="r">
@@ -4260,7 +3111,7 @@
                 <a:tab algn="l" pos="0"/>
               </a:tabLst>
             </a:pPr>
-            <a:fld id="{E732C628-830C-4769-9612-BF38514B8E78}" type="slidenum">
+            <a:fld id="{C5FF3B83-6383-40EC-BFA4-0BB894E1FA6A}" type="slidenum">
               <a:rPr b="0" lang="ru" sz="1000" spc="-1" strike="noStrike">
                 <a:solidFill>
                   <a:schemeClr val="dk2"/>
@@ -4307,14 +3158,14 @@
       </p:grpSpPr>
       <p:sp>
         <p:nvSpPr>
-          <p:cNvPr id="37" name="Google Shape;54;p13"/>
+          <p:cNvPr id="28" name="Google Shape;54;p13"/>
           <p:cNvSpPr/>
           <p:nvPr/>
         </p:nvSpPr>
         <p:spPr>
           <a:xfrm>
             <a:off x="360000" y="329760"/>
-            <a:ext cx="6839640" cy="2493000"/>
+            <a:ext cx="6839280" cy="2492640"/>
           </a:xfrm>
           <a:prstGeom prst="roundRect">
             <a:avLst>
@@ -4343,7 +3194,7 @@
           <a:fontRef idx="minor"/>
         </p:style>
         <p:txBody>
-          <a:bodyPr tIns="91440" bIns="91440" anchor="ctr">
+          <a:bodyPr lIns="90000" rIns="90000" tIns="91440" bIns="91440" anchor="ctr">
             <a:noAutofit/>
           </a:bodyPr>
           <a:p>
@@ -4428,14 +3279,14 @@
       </p:sp>
       <p:sp>
         <p:nvSpPr>
-          <p:cNvPr id="38" name="Google Shape;55;p13"/>
+          <p:cNvPr id="29" name="Google Shape;55;p13"/>
           <p:cNvSpPr/>
           <p:nvPr/>
         </p:nvSpPr>
         <p:spPr>
           <a:xfrm>
             <a:off x="284760" y="3332520"/>
-            <a:ext cx="6839640" cy="761760"/>
+            <a:ext cx="6839280" cy="761400"/>
           </a:xfrm>
           <a:prstGeom prst="rect">
             <a:avLst/>
@@ -4452,7 +3303,7 @@
           <a:fontRef idx="minor"/>
         </p:style>
         <p:txBody>
-          <a:bodyPr tIns="91440" bIns="91440" anchor="t">
+          <a:bodyPr lIns="90000" rIns="90000" tIns="91440" bIns="91440" anchor="t">
             <a:noAutofit/>
           </a:bodyPr>
           <a:p>
@@ -4495,14 +3346,14 @@
       </p:sp>
       <p:sp>
         <p:nvSpPr>
-          <p:cNvPr id="39" name="Google Shape;56;p13"/>
+          <p:cNvPr id="30" name="Google Shape;56;p13"/>
           <p:cNvSpPr/>
           <p:nvPr/>
         </p:nvSpPr>
         <p:spPr>
           <a:xfrm>
             <a:off x="264600" y="4442400"/>
-            <a:ext cx="6741360" cy="454680"/>
+            <a:ext cx="6741000" cy="454320"/>
           </a:xfrm>
           <a:prstGeom prst="rect">
             <a:avLst/>
@@ -4519,7 +3370,7 @@
           <a:fontRef idx="minor"/>
         </p:style>
         <p:txBody>
-          <a:bodyPr tIns="91440" bIns="91440" anchor="t">
+          <a:bodyPr lIns="90000" rIns="90000" tIns="91440" bIns="91440" anchor="t">
             <a:noAutofit/>
           </a:bodyPr>
           <a:p>
@@ -4552,7 +3403,7 @@
       </p:sp>
       <p:pic>
         <p:nvPicPr>
-          <p:cNvPr id="40" name="Google Shape;57;p13" descr=""/>
+          <p:cNvPr id="31" name="Google Shape;57;p13" descr=""/>
           <p:cNvPicPr/>
           <p:nvPr/>
         </p:nvPicPr>
@@ -4563,7 +3414,7 @@
         <p:spPr>
           <a:xfrm>
             <a:off x="360000" y="5018040"/>
-            <a:ext cx="613440" cy="613440"/>
+            <a:ext cx="613080" cy="613080"/>
           </a:xfrm>
           <a:prstGeom prst="rect">
             <a:avLst/>
@@ -4575,7 +3426,7 @@
       </p:pic>
       <p:pic>
         <p:nvPicPr>
-          <p:cNvPr id="41" name="Google Shape;58;p13" descr=""/>
+          <p:cNvPr id="32" name="Google Shape;58;p13" descr=""/>
           <p:cNvPicPr/>
           <p:nvPr/>
         </p:nvPicPr>
@@ -4586,7 +3437,7 @@
         <p:spPr>
           <a:xfrm>
             <a:off x="360000" y="5796720"/>
-            <a:ext cx="613440" cy="613440"/>
+            <a:ext cx="613080" cy="613080"/>
           </a:xfrm>
           <a:prstGeom prst="rect">
             <a:avLst/>
@@ -4598,7 +3449,7 @@
       </p:pic>
       <p:pic>
         <p:nvPicPr>
-          <p:cNvPr id="42" name="Google Shape;59;p13" descr=""/>
+          <p:cNvPr id="33" name="Google Shape;59;p13" descr=""/>
           <p:cNvPicPr/>
           <p:nvPr/>
         </p:nvPicPr>
@@ -4609,7 +3460,7 @@
         <p:spPr>
           <a:xfrm>
             <a:off x="3825000" y="5018040"/>
-            <a:ext cx="613440" cy="613440"/>
+            <a:ext cx="613080" cy="613080"/>
           </a:xfrm>
           <a:prstGeom prst="rect">
             <a:avLst/>
@@ -4621,7 +3472,7 @@
       </p:pic>
       <p:pic>
         <p:nvPicPr>
-          <p:cNvPr id="43" name="Google Shape;60;p13" descr=""/>
+          <p:cNvPr id="34" name="Google Shape;60;p13" descr=""/>
           <p:cNvPicPr/>
           <p:nvPr/>
         </p:nvPicPr>
@@ -4632,7 +3483,7 @@
         <p:spPr>
           <a:xfrm>
             <a:off x="3825000" y="5838120"/>
-            <a:ext cx="613440" cy="613440"/>
+            <a:ext cx="613080" cy="613080"/>
           </a:xfrm>
           <a:prstGeom prst="rect">
             <a:avLst/>
@@ -4644,14 +3495,14 @@
       </p:pic>
       <p:sp>
         <p:nvSpPr>
-          <p:cNvPr id="44" name="Google Shape;61;p13"/>
+          <p:cNvPr id="35" name="Google Shape;61;p13"/>
           <p:cNvSpPr/>
           <p:nvPr/>
         </p:nvSpPr>
         <p:spPr>
           <a:xfrm>
             <a:off x="1111320" y="5015160"/>
-            <a:ext cx="1746000" cy="619560"/>
+            <a:ext cx="1745640" cy="619200"/>
           </a:xfrm>
           <a:prstGeom prst="rect">
             <a:avLst/>
@@ -4668,7 +3519,7 @@
           <a:fontRef idx="minor"/>
         </p:style>
         <p:txBody>
-          <a:bodyPr tIns="91440" bIns="91440" anchor="t">
+          <a:bodyPr lIns="90000" rIns="90000" tIns="91440" bIns="91440" anchor="t">
             <a:noAutofit/>
           </a:bodyPr>
           <a:p>
@@ -4743,14 +3594,14 @@
       </p:sp>
       <p:sp>
         <p:nvSpPr>
-          <p:cNvPr id="45" name="Google Shape;62;p13"/>
+          <p:cNvPr id="36" name="Google Shape;62;p13"/>
           <p:cNvSpPr/>
           <p:nvPr/>
         </p:nvSpPr>
         <p:spPr>
           <a:xfrm>
             <a:off x="1111320" y="5796720"/>
-            <a:ext cx="1746000" cy="619560"/>
+            <a:ext cx="1745640" cy="619200"/>
           </a:xfrm>
           <a:prstGeom prst="rect">
             <a:avLst/>
@@ -4767,7 +3618,7 @@
           <a:fontRef idx="minor"/>
         </p:style>
         <p:txBody>
-          <a:bodyPr tIns="91440" bIns="91440" anchor="t">
+          <a:bodyPr lIns="90000" rIns="90000" tIns="91440" bIns="91440" anchor="t">
             <a:noAutofit/>
           </a:bodyPr>
           <a:p>
@@ -4868,14 +3719,14 @@
       </p:sp>
       <p:sp>
         <p:nvSpPr>
-          <p:cNvPr id="46" name="Google Shape;63;p13"/>
+          <p:cNvPr id="37" name="Google Shape;63;p13"/>
           <p:cNvSpPr/>
           <p:nvPr/>
         </p:nvSpPr>
         <p:spPr>
           <a:xfrm>
             <a:off x="4597560" y="5017320"/>
-            <a:ext cx="2016720" cy="619560"/>
+            <a:ext cx="2016360" cy="619200"/>
           </a:xfrm>
           <a:prstGeom prst="rect">
             <a:avLst/>
@@ -4892,7 +3743,7 @@
           <a:fontRef idx="minor"/>
         </p:style>
         <p:txBody>
-          <a:bodyPr tIns="91440" bIns="91440" anchor="t">
+          <a:bodyPr lIns="90000" rIns="90000" tIns="91440" bIns="91440" anchor="t">
             <a:noAutofit/>
           </a:bodyPr>
           <a:p>
@@ -5009,14 +3860,14 @@
       </p:sp>
       <p:sp>
         <p:nvSpPr>
-          <p:cNvPr id="47" name="Google Shape;64;p13"/>
+          <p:cNvPr id="38" name="Google Shape;64;p13"/>
           <p:cNvSpPr/>
           <p:nvPr/>
         </p:nvSpPr>
         <p:spPr>
           <a:xfrm>
             <a:off x="4597560" y="5796720"/>
-            <a:ext cx="2334240" cy="619560"/>
+            <a:ext cx="2333880" cy="619200"/>
           </a:xfrm>
           <a:prstGeom prst="rect">
             <a:avLst/>
@@ -5033,7 +3884,7 @@
           <a:fontRef idx="minor"/>
         </p:style>
         <p:txBody>
-          <a:bodyPr tIns="91440" bIns="91440" anchor="t">
+          <a:bodyPr lIns="90000" rIns="90000" tIns="91440" bIns="91440" anchor="t">
             <a:noAutofit/>
           </a:bodyPr>
           <a:p>
@@ -5150,14 +4001,14 @@
       </p:sp>
       <p:sp>
         <p:nvSpPr>
-          <p:cNvPr id="48" name="Google Shape;65;p13"/>
+          <p:cNvPr id="39" name="Google Shape;65;p13"/>
           <p:cNvSpPr/>
           <p:nvPr/>
         </p:nvSpPr>
         <p:spPr>
           <a:xfrm>
             <a:off x="317520" y="6846840"/>
-            <a:ext cx="6741360" cy="761760"/>
+            <a:ext cx="6741000" cy="761400"/>
           </a:xfrm>
           <a:prstGeom prst="rect">
             <a:avLst/>
@@ -5174,7 +4025,7 @@
           <a:fontRef idx="minor"/>
         </p:style>
         <p:txBody>
-          <a:bodyPr tIns="91440" bIns="91440" anchor="t">
+          <a:bodyPr lIns="90000" rIns="90000" tIns="91440" bIns="91440" anchor="t">
             <a:noAutofit/>
           </a:bodyPr>
           <a:p>
@@ -5207,7 +4058,7 @@
       </p:sp>
       <p:pic>
         <p:nvPicPr>
-          <p:cNvPr id="49" name="Google Shape;66;p13" descr=""/>
+          <p:cNvPr id="40" name="Google Shape;66;p13" descr=""/>
           <p:cNvPicPr/>
           <p:nvPr/>
         </p:nvPicPr>
@@ -5218,7 +4069,7 @@
         <p:spPr>
           <a:xfrm>
             <a:off x="360000" y="7640640"/>
-            <a:ext cx="6797160" cy="1629360"/>
+            <a:ext cx="6796800" cy="1629000"/>
           </a:xfrm>
           <a:prstGeom prst="rect">
             <a:avLst/>
@@ -5230,7 +4081,7 @@
       </p:pic>
       <p:pic>
         <p:nvPicPr>
-          <p:cNvPr id="50" name="Google Shape;67;p13" descr=""/>
+          <p:cNvPr id="41" name="Google Shape;67;p13" descr=""/>
           <p:cNvPicPr/>
           <p:nvPr/>
         </p:nvPicPr>
@@ -5240,8 +4091,8 @@
         </p:blipFill>
         <p:spPr>
           <a:xfrm rot="886200">
-            <a:off x="5356800" y="912240"/>
-            <a:ext cx="2314080" cy="2317680"/>
+            <a:off x="5356800" y="911880"/>
+            <a:ext cx="2313720" cy="2317320"/>
           </a:xfrm>
           <a:prstGeom prst="rect">
             <a:avLst/>
@@ -5283,14 +4134,14 @@
       </p:grpSpPr>
       <p:sp>
         <p:nvSpPr>
-          <p:cNvPr id="51" name="Google Shape;72;p14"/>
+          <p:cNvPr id="42" name="Google Shape;72;p14"/>
           <p:cNvSpPr/>
           <p:nvPr/>
         </p:nvSpPr>
         <p:spPr>
           <a:xfrm>
             <a:off x="360000" y="329760"/>
-            <a:ext cx="6839640" cy="1352520"/>
+            <a:ext cx="6839280" cy="1352160"/>
           </a:xfrm>
           <a:prstGeom prst="roundRect">
             <a:avLst>
@@ -5319,7 +4170,7 @@
           <a:fontRef idx="minor"/>
         </p:style>
         <p:txBody>
-          <a:bodyPr tIns="91440" bIns="91440" anchor="ctr">
+          <a:bodyPr lIns="90000" rIns="90000" tIns="91440" bIns="91440" anchor="ctr">
             <a:noAutofit/>
           </a:bodyPr>
           <a:p>
@@ -5352,13 +4203,13 @@
       </p:sp>
       <p:graphicFrame>
         <p:nvGraphicFramePr>
-          <p:cNvPr id="52" name="Google Shape;73;p14"/>
+          <p:cNvPr id="43" name="Google Shape;73;p14"/>
           <p:cNvGraphicFramePr/>
           <p:nvPr/>
         </p:nvGraphicFramePr>
         <p:xfrm>
           <a:off x="203040" y="1963080"/>
-          <a:ext cx="6905880" cy="4779720"/>
+          <a:ext cx="6905520" cy="4214880"/>
         </p:xfrm>
         <a:graphic>
           <a:graphicData uri="http://schemas.openxmlformats.org/drawingml/2006/table">
@@ -5371,7 +4222,7 @@
               <a:tr h="729720">
                 <a:tc>
                   <a:txBody>
-                    <a:bodyPr lIns="91080" rIns="91080" tIns="91080" bIns="91080" anchor="t">
+                    <a:bodyPr lIns="91080" rIns="91080" anchor="t">
                       <a:noAutofit/>
                     </a:bodyPr>
                     <a:p>
@@ -5430,36 +4281,24 @@
                     </a:p>
                   </a:txBody>
                   <a:tcPr anchor="t" marL="91080" marR="91080">
-                    <a:lnL w="9360">
-                      <a:solidFill>
-                        <a:srgbClr val="9e9e9e"/>
-                      </a:solidFill>
-                      <a:prstDash val="solid"/>
+                    <a:lnL>
+                      <a:noFill/>
                     </a:lnL>
-                    <a:lnR w="9360">
-                      <a:solidFill>
-                        <a:srgbClr val="9e9e9e"/>
-                      </a:solidFill>
-                      <a:prstDash val="solid"/>
+                    <a:lnR>
+                      <a:noFill/>
                     </a:lnR>
-                    <a:lnT w="9360">
-                      <a:solidFill>
-                        <a:srgbClr val="9e9e9e"/>
-                      </a:solidFill>
-                      <a:prstDash val="solid"/>
+                    <a:lnT>
+                      <a:noFill/>
                     </a:lnT>
-                    <a:lnB w="9360">
-                      <a:solidFill>
-                        <a:srgbClr val="9e9e9e"/>
-                      </a:solidFill>
-                      <a:prstDash val="solid"/>
+                    <a:lnB>
+                      <a:noFill/>
                     </a:lnB>
                     <a:noFill/>
                   </a:tcPr>
                 </a:tc>
                 <a:tc>
                   <a:txBody>
-                    <a:bodyPr lIns="91080" rIns="91080" tIns="91080" bIns="91080" anchor="t">
+                    <a:bodyPr lIns="91080" rIns="91080" anchor="t">
                       <a:noAutofit/>
                     </a:bodyPr>
                     <a:p>
@@ -5518,29 +4357,17 @@
                     </a:p>
                   </a:txBody>
                   <a:tcPr anchor="t" marL="91080" marR="91080">
-                    <a:lnL w="9360">
-                      <a:solidFill>
-                        <a:srgbClr val="9e9e9e"/>
-                      </a:solidFill>
-                      <a:prstDash val="solid"/>
+                    <a:lnL>
+                      <a:noFill/>
                     </a:lnL>
-                    <a:lnR w="9360">
-                      <a:solidFill>
-                        <a:srgbClr val="9e9e9e"/>
-                      </a:solidFill>
-                      <a:prstDash val="solid"/>
+                    <a:lnR>
+                      <a:noFill/>
                     </a:lnR>
-                    <a:lnT w="9360">
-                      <a:solidFill>
-                        <a:srgbClr val="9e9e9e"/>
-                      </a:solidFill>
-                      <a:prstDash val="solid"/>
+                    <a:lnT>
+                      <a:noFill/>
                     </a:lnT>
-                    <a:lnB w="9360">
-                      <a:solidFill>
-                        <a:srgbClr val="9e9e9e"/>
-                      </a:solidFill>
-                      <a:prstDash val="solid"/>
+                    <a:lnB>
+                      <a:noFill/>
                     </a:lnB>
                     <a:noFill/>
                   </a:tcPr>
@@ -5549,7 +4376,7 @@
               <a:tr h="380880">
                 <a:tc>
                   <a:txBody>
-                    <a:bodyPr lIns="91080" rIns="91080" tIns="91080" bIns="91080" anchor="t">
+                    <a:bodyPr lIns="91080" rIns="91080" anchor="t">
                       <a:noAutofit/>
                     </a:bodyPr>
                     <a:p>
@@ -5608,36 +4435,24 @@
                     </a:p>
                   </a:txBody>
                   <a:tcPr anchor="t" marL="91080" marR="91080">
-                    <a:lnL w="9360">
-                      <a:solidFill>
-                        <a:srgbClr val="9e9e9e"/>
-                      </a:solidFill>
-                      <a:prstDash val="solid"/>
+                    <a:lnL>
+                      <a:noFill/>
                     </a:lnL>
-                    <a:lnR w="9360">
-                      <a:solidFill>
-                        <a:srgbClr val="9e9e9e"/>
-                      </a:solidFill>
-                      <a:prstDash val="solid"/>
+                    <a:lnR>
+                      <a:noFill/>
                     </a:lnR>
-                    <a:lnT w="9360">
-                      <a:solidFill>
-                        <a:srgbClr val="9e9e9e"/>
-                      </a:solidFill>
-                      <a:prstDash val="solid"/>
+                    <a:lnT>
+                      <a:noFill/>
                     </a:lnT>
-                    <a:lnB w="9360">
-                      <a:solidFill>
-                        <a:srgbClr val="9e9e9e"/>
-                      </a:solidFill>
-                      <a:prstDash val="solid"/>
+                    <a:lnB>
+                      <a:noFill/>
                     </a:lnB>
                     <a:noFill/>
                   </a:tcPr>
                 </a:tc>
                 <a:tc>
                   <a:txBody>
-                    <a:bodyPr lIns="91080" rIns="91080" tIns="91080" bIns="91080" anchor="t">
+                    <a:bodyPr lIns="91080" rIns="91080" anchor="t">
                       <a:noAutofit/>
                     </a:bodyPr>
                     <a:p>
@@ -5670,29 +4485,17 @@
                     </a:p>
                   </a:txBody>
                   <a:tcPr anchor="t" marL="91080" marR="91080">
-                    <a:lnL w="9360">
-                      <a:solidFill>
-                        <a:srgbClr val="9e9e9e"/>
-                      </a:solidFill>
-                      <a:prstDash val="solid"/>
+                    <a:lnL>
+                      <a:noFill/>
                     </a:lnL>
-                    <a:lnR w="9360">
-                      <a:solidFill>
-                        <a:srgbClr val="9e9e9e"/>
-                      </a:solidFill>
-                      <a:prstDash val="solid"/>
+                    <a:lnR>
+                      <a:noFill/>
                     </a:lnR>
-                    <a:lnT w="9360">
-                      <a:solidFill>
-                        <a:srgbClr val="9e9e9e"/>
-                      </a:solidFill>
-                      <a:prstDash val="solid"/>
+                    <a:lnT>
+                      <a:noFill/>
                     </a:lnT>
-                    <a:lnB w="9360">
-                      <a:solidFill>
-                        <a:srgbClr val="9e9e9e"/>
-                      </a:solidFill>
-                      <a:prstDash val="solid"/>
+                    <a:lnB>
+                      <a:noFill/>
                     </a:lnB>
                     <a:noFill/>
                   </a:tcPr>
@@ -5701,7 +4504,7 @@
               <a:tr h="380880">
                 <a:tc>
                   <a:txBody>
-                    <a:bodyPr lIns="91080" rIns="91080" tIns="91080" bIns="91080" anchor="t">
+                    <a:bodyPr lIns="91080" rIns="91080" anchor="t">
                       <a:noAutofit/>
                     </a:bodyPr>
                     <a:p>
@@ -5734,36 +4537,24 @@
                     </a:p>
                   </a:txBody>
                   <a:tcPr anchor="t" marL="91080" marR="91080">
-                    <a:lnL w="9360">
-                      <a:solidFill>
-                        <a:srgbClr val="9e9e9e"/>
-                      </a:solidFill>
-                      <a:prstDash val="solid"/>
+                    <a:lnL>
+                      <a:noFill/>
                     </a:lnL>
-                    <a:lnR w="9360">
-                      <a:solidFill>
-                        <a:srgbClr val="9e9e9e"/>
-                      </a:solidFill>
-                      <a:prstDash val="solid"/>
+                    <a:lnR>
+                      <a:noFill/>
                     </a:lnR>
-                    <a:lnT w="9360">
-                      <a:solidFill>
-                        <a:srgbClr val="9e9e9e"/>
-                      </a:solidFill>
-                      <a:prstDash val="solid"/>
+                    <a:lnT>
+                      <a:noFill/>
                     </a:lnT>
-                    <a:lnB w="9360">
-                      <a:solidFill>
-                        <a:srgbClr val="9e9e9e"/>
-                      </a:solidFill>
-                      <a:prstDash val="solid"/>
+                    <a:lnB>
+                      <a:noFill/>
                     </a:lnB>
                     <a:noFill/>
                   </a:tcPr>
                 </a:tc>
                 <a:tc>
                   <a:txBody>
-                    <a:bodyPr lIns="91080" rIns="91080" tIns="91080" bIns="91080" anchor="t">
+                    <a:bodyPr lIns="91080" rIns="91080" anchor="t">
                       <a:noAutofit/>
                     </a:bodyPr>
                     <a:p>
@@ -5796,29 +4587,17 @@
                     </a:p>
                   </a:txBody>
                   <a:tcPr anchor="t" marL="91080" marR="91080">
-                    <a:lnL w="9360">
-                      <a:solidFill>
-                        <a:srgbClr val="9e9e9e"/>
-                      </a:solidFill>
-                      <a:prstDash val="solid"/>
+                    <a:lnL>
+                      <a:noFill/>
                     </a:lnL>
-                    <a:lnR w="9360">
-                      <a:solidFill>
-                        <a:srgbClr val="9e9e9e"/>
-                      </a:solidFill>
-                      <a:prstDash val="solid"/>
+                    <a:lnR>
+                      <a:noFill/>
                     </a:lnR>
-                    <a:lnT w="9360">
-                      <a:solidFill>
-                        <a:srgbClr val="9e9e9e"/>
-                      </a:solidFill>
-                      <a:prstDash val="solid"/>
+                    <a:lnT>
+                      <a:noFill/>
                     </a:lnT>
-                    <a:lnB w="9360">
-                      <a:solidFill>
-                        <a:srgbClr val="9e9e9e"/>
-                      </a:solidFill>
-                      <a:prstDash val="solid"/>
+                    <a:lnB>
+                      <a:noFill/>
                     </a:lnB>
                     <a:noFill/>
                   </a:tcPr>
@@ -5827,7 +4606,7 @@
               <a:tr h="380880">
                 <a:tc>
                   <a:txBody>
-                    <a:bodyPr lIns="91080" rIns="91080" tIns="91080" bIns="91080" anchor="t">
+                    <a:bodyPr lIns="91080" rIns="91080" anchor="t">
                       <a:noAutofit/>
                     </a:bodyPr>
                     <a:p>
@@ -5873,36 +4652,24 @@
                     </a:p>
                   </a:txBody>
                   <a:tcPr anchor="t" marL="91080" marR="91080">
-                    <a:lnL w="9360">
-                      <a:solidFill>
-                        <a:srgbClr val="9e9e9e"/>
-                      </a:solidFill>
-                      <a:prstDash val="solid"/>
+                    <a:lnL>
+                      <a:noFill/>
                     </a:lnL>
-                    <a:lnR w="9360">
-                      <a:solidFill>
-                        <a:srgbClr val="9e9e9e"/>
-                      </a:solidFill>
-                      <a:prstDash val="solid"/>
+                    <a:lnR>
+                      <a:noFill/>
                     </a:lnR>
-                    <a:lnT w="9360">
-                      <a:solidFill>
-                        <a:srgbClr val="9e9e9e"/>
-                      </a:solidFill>
-                      <a:prstDash val="solid"/>
+                    <a:lnT>
+                      <a:noFill/>
                     </a:lnT>
-                    <a:lnB w="9360">
-                      <a:solidFill>
-                        <a:srgbClr val="9e9e9e"/>
-                      </a:solidFill>
-                      <a:prstDash val="solid"/>
+                    <a:lnB>
+                      <a:noFill/>
                     </a:lnB>
                     <a:noFill/>
                   </a:tcPr>
                 </a:tc>
                 <a:tc>
                   <a:txBody>
-                    <a:bodyPr lIns="91080" rIns="91080" tIns="91080" bIns="91080" anchor="t">
+                    <a:bodyPr lIns="91080" rIns="91080" anchor="t">
                       <a:noAutofit/>
                     </a:bodyPr>
                     <a:p>
@@ -5935,29 +4702,17 @@
                     </a:p>
                   </a:txBody>
                   <a:tcPr anchor="t" marL="91080" marR="91080">
-                    <a:lnL w="9360">
-                      <a:solidFill>
-                        <a:srgbClr val="9e9e9e"/>
-                      </a:solidFill>
-                      <a:prstDash val="solid"/>
+                    <a:lnL>
+                      <a:noFill/>
                     </a:lnL>
-                    <a:lnR w="9360">
-                      <a:solidFill>
-                        <a:srgbClr val="9e9e9e"/>
-                      </a:solidFill>
-                      <a:prstDash val="solid"/>
+                    <a:lnR>
+                      <a:noFill/>
                     </a:lnR>
-                    <a:lnT w="9360">
-                      <a:solidFill>
-                        <a:srgbClr val="9e9e9e"/>
-                      </a:solidFill>
-                      <a:prstDash val="solid"/>
+                    <a:lnT>
+                      <a:noFill/>
                     </a:lnT>
-                    <a:lnB w="9360">
-                      <a:solidFill>
-                        <a:srgbClr val="9e9e9e"/>
-                      </a:solidFill>
-                      <a:prstDash val="solid"/>
+                    <a:lnB>
+                      <a:noFill/>
                     </a:lnB>
                     <a:noFill/>
                   </a:tcPr>
@@ -5966,7 +4721,7 @@
               <a:tr h="380880">
                 <a:tc>
                   <a:txBody>
-                    <a:bodyPr lIns="91080" rIns="91080" tIns="91080" bIns="91080" anchor="t">
+                    <a:bodyPr lIns="91080" rIns="91080" anchor="t">
                       <a:noAutofit/>
                     </a:bodyPr>
                     <a:p>
@@ -5999,36 +4754,24 @@
                     </a:p>
                   </a:txBody>
                   <a:tcPr anchor="t" marL="91080" marR="91080">
-                    <a:lnL w="9360">
-                      <a:solidFill>
-                        <a:srgbClr val="9e9e9e"/>
-                      </a:solidFill>
-                      <a:prstDash val="solid"/>
+                    <a:lnL>
+                      <a:noFill/>
                     </a:lnL>
-                    <a:lnR w="9360">
-                      <a:solidFill>
-                        <a:srgbClr val="9e9e9e"/>
-                      </a:solidFill>
-                      <a:prstDash val="solid"/>
+                    <a:lnR>
+                      <a:noFill/>
                     </a:lnR>
-                    <a:lnT w="9360">
-                      <a:solidFill>
-                        <a:srgbClr val="9e9e9e"/>
-                      </a:solidFill>
-                      <a:prstDash val="solid"/>
+                    <a:lnT>
+                      <a:noFill/>
                     </a:lnT>
-                    <a:lnB w="9360">
-                      <a:solidFill>
-                        <a:srgbClr val="9e9e9e"/>
-                      </a:solidFill>
-                      <a:prstDash val="solid"/>
+                    <a:lnB>
+                      <a:noFill/>
                     </a:lnB>
                     <a:noFill/>
                   </a:tcPr>
                 </a:tc>
                 <a:tc>
                   <a:txBody>
-                    <a:bodyPr lIns="91080" rIns="91080" tIns="91080" bIns="91080" anchor="t">
+                    <a:bodyPr lIns="91080" rIns="91080" anchor="t">
                       <a:noAutofit/>
                     </a:bodyPr>
                     <a:p>
@@ -6061,29 +4804,17 @@
                     </a:p>
                   </a:txBody>
                   <a:tcPr anchor="t" marL="91080" marR="91080">
-                    <a:lnL w="9360">
-                      <a:solidFill>
-                        <a:srgbClr val="9e9e9e"/>
-                      </a:solidFill>
-                      <a:prstDash val="solid"/>
+                    <a:lnL>
+                      <a:noFill/>
                     </a:lnL>
-                    <a:lnR w="9360">
-                      <a:solidFill>
-                        <a:srgbClr val="9e9e9e"/>
-                      </a:solidFill>
-                      <a:prstDash val="solid"/>
+                    <a:lnR>
+                      <a:noFill/>
                     </a:lnR>
-                    <a:lnT w="9360">
-                      <a:solidFill>
-                        <a:srgbClr val="9e9e9e"/>
-                      </a:solidFill>
-                      <a:prstDash val="solid"/>
+                    <a:lnT>
+                      <a:noFill/>
                     </a:lnT>
-                    <a:lnB w="9360">
-                      <a:solidFill>
-                        <a:srgbClr val="9e9e9e"/>
-                      </a:solidFill>
-                      <a:prstDash val="solid"/>
+                    <a:lnB>
+                      <a:noFill/>
                     </a:lnB>
                     <a:noFill/>
                   </a:tcPr>
@@ -6092,7 +4823,7 @@
               <a:tr h="380880">
                 <a:tc>
                   <a:txBody>
-                    <a:bodyPr lIns="91080" rIns="91080" tIns="91080" bIns="91080" anchor="t">
+                    <a:bodyPr lIns="91080" rIns="91080" anchor="t">
                       <a:noAutofit/>
                     </a:bodyPr>
                     <a:p>
@@ -6125,36 +4856,24 @@
                     </a:p>
                   </a:txBody>
                   <a:tcPr anchor="t" marL="91080" marR="91080">
-                    <a:lnL w="9360">
-                      <a:solidFill>
-                        <a:srgbClr val="9e9e9e"/>
-                      </a:solidFill>
-                      <a:prstDash val="solid"/>
+                    <a:lnL>
+                      <a:noFill/>
                     </a:lnL>
-                    <a:lnR w="9360">
-                      <a:solidFill>
-                        <a:srgbClr val="9e9e9e"/>
-                      </a:solidFill>
-                      <a:prstDash val="solid"/>
+                    <a:lnR>
+                      <a:noFill/>
                     </a:lnR>
-                    <a:lnT w="9360">
-                      <a:solidFill>
-                        <a:srgbClr val="9e9e9e"/>
-                      </a:solidFill>
-                      <a:prstDash val="solid"/>
+                    <a:lnT>
+                      <a:noFill/>
                     </a:lnT>
-                    <a:lnB w="9360">
-                      <a:solidFill>
-                        <a:srgbClr val="9e9e9e"/>
-                      </a:solidFill>
-                      <a:prstDash val="solid"/>
+                    <a:lnB>
+                      <a:noFill/>
                     </a:lnB>
                     <a:noFill/>
                   </a:tcPr>
                 </a:tc>
                 <a:tc>
                   <a:txBody>
-                    <a:bodyPr lIns="91080" rIns="91080" tIns="91080" bIns="91080" anchor="t">
+                    <a:bodyPr lIns="91080" rIns="91080" anchor="t">
                       <a:noAutofit/>
                     </a:bodyPr>
                     <a:p>
@@ -6187,29 +4906,17 @@
                     </a:p>
                   </a:txBody>
                   <a:tcPr anchor="t" marL="91080" marR="91080">
-                    <a:lnL w="9360">
-                      <a:solidFill>
-                        <a:srgbClr val="9e9e9e"/>
-                      </a:solidFill>
-                      <a:prstDash val="solid"/>
+                    <a:lnL>
+                      <a:noFill/>
                     </a:lnL>
-                    <a:lnR w="9360">
-                      <a:solidFill>
-                        <a:srgbClr val="9e9e9e"/>
-                      </a:solidFill>
-                      <a:prstDash val="solid"/>
+                    <a:lnR>
+                      <a:noFill/>
                     </a:lnR>
-                    <a:lnT w="9360">
-                      <a:solidFill>
-                        <a:srgbClr val="9e9e9e"/>
-                      </a:solidFill>
-                      <a:prstDash val="solid"/>
+                    <a:lnT>
+                      <a:noFill/>
                     </a:lnT>
-                    <a:lnB w="9360">
-                      <a:solidFill>
-                        <a:srgbClr val="9e9e9e"/>
-                      </a:solidFill>
-                      <a:prstDash val="solid"/>
+                    <a:lnB>
+                      <a:noFill/>
                     </a:lnB>
                     <a:noFill/>
                   </a:tcPr>
@@ -6218,7 +4925,7 @@
               <a:tr h="380880">
                 <a:tc>
                   <a:txBody>
-                    <a:bodyPr lIns="91080" rIns="91080" tIns="91080" bIns="91080" anchor="t">
+                    <a:bodyPr lIns="91080" rIns="91080" anchor="t">
                       <a:noAutofit/>
                     </a:bodyPr>
                     <a:p>
@@ -6251,36 +4958,24 @@
                     </a:p>
                   </a:txBody>
                   <a:tcPr anchor="t" marL="91080" marR="91080">
-                    <a:lnL w="9360">
-                      <a:solidFill>
-                        <a:srgbClr val="9e9e9e"/>
-                      </a:solidFill>
-                      <a:prstDash val="solid"/>
+                    <a:lnL>
+                      <a:noFill/>
                     </a:lnL>
-                    <a:lnR w="9360">
-                      <a:solidFill>
-                        <a:srgbClr val="9e9e9e"/>
-                      </a:solidFill>
-                      <a:prstDash val="solid"/>
+                    <a:lnR>
+                      <a:noFill/>
                     </a:lnR>
-                    <a:lnT w="9360">
-                      <a:solidFill>
-                        <a:srgbClr val="9e9e9e"/>
-                      </a:solidFill>
-                      <a:prstDash val="solid"/>
+                    <a:lnT>
+                      <a:noFill/>
                     </a:lnT>
-                    <a:lnB w="9360">
-                      <a:solidFill>
-                        <a:srgbClr val="9e9e9e"/>
-                      </a:solidFill>
-                      <a:prstDash val="solid"/>
+                    <a:lnB>
+                      <a:noFill/>
                     </a:lnB>
                     <a:noFill/>
                   </a:tcPr>
                 </a:tc>
                 <a:tc>
                   <a:txBody>
-                    <a:bodyPr lIns="91080" rIns="91080" tIns="91080" bIns="91080" anchor="t">
+                    <a:bodyPr lIns="91080" rIns="91080" anchor="t">
                       <a:noAutofit/>
                     </a:bodyPr>
                     <a:p>
@@ -6313,29 +5008,17 @@
                     </a:p>
                   </a:txBody>
                   <a:tcPr anchor="t" marL="91080" marR="91080">
-                    <a:lnL w="9360">
-                      <a:solidFill>
-                        <a:srgbClr val="9e9e9e"/>
-                      </a:solidFill>
-                      <a:prstDash val="solid"/>
+                    <a:lnL>
+                      <a:noFill/>
                     </a:lnL>
-                    <a:lnR w="9360">
-                      <a:solidFill>
-                        <a:srgbClr val="9e9e9e"/>
-                      </a:solidFill>
-                      <a:prstDash val="solid"/>
+                    <a:lnR>
+                      <a:noFill/>
                     </a:lnR>
-                    <a:lnT w="9360">
-                      <a:solidFill>
-                        <a:srgbClr val="9e9e9e"/>
-                      </a:solidFill>
-                      <a:prstDash val="solid"/>
+                    <a:lnT>
+                      <a:noFill/>
                     </a:lnT>
-                    <a:lnB w="9360">
-                      <a:solidFill>
-                        <a:srgbClr val="9e9e9e"/>
-                      </a:solidFill>
-                      <a:prstDash val="solid"/>
+                    <a:lnB>
+                      <a:noFill/>
                     </a:lnB>
                     <a:noFill/>
                   </a:tcPr>
@@ -6347,14 +5030,14 @@
       </p:graphicFrame>
       <p:sp>
         <p:nvSpPr>
-          <p:cNvPr id="53" name="Google Shape;74;p14"/>
+          <p:cNvPr id="44" name="Google Shape;74;p14"/>
           <p:cNvSpPr/>
           <p:nvPr/>
         </p:nvSpPr>
         <p:spPr>
           <a:xfrm>
             <a:off x="360000" y="7185600"/>
-            <a:ext cx="6839640" cy="2484720"/>
+            <a:ext cx="6839280" cy="2484360"/>
           </a:xfrm>
           <a:prstGeom prst="roundRect">
             <a:avLst>
@@ -6383,7 +5066,7 @@
           <a:fontRef idx="minor"/>
         </p:style>
         <p:txBody>
-          <a:bodyPr tIns="91440" bIns="91440" anchor="ctr">
+          <a:bodyPr lIns="90000" rIns="90000" tIns="91440" bIns="91440" anchor="ctr">
             <a:noAutofit/>
           </a:bodyPr>
           <a:p>
@@ -6406,14 +5089,14 @@
       </p:sp>
       <p:sp>
         <p:nvSpPr>
-          <p:cNvPr id="54" name="Google Shape;75;p14"/>
+          <p:cNvPr id="45" name="Google Shape;75;p14"/>
           <p:cNvSpPr/>
           <p:nvPr/>
         </p:nvSpPr>
         <p:spPr>
           <a:xfrm>
             <a:off x="736920" y="7995960"/>
-            <a:ext cx="3349080" cy="864360"/>
+            <a:ext cx="3348720" cy="864000"/>
           </a:xfrm>
           <a:prstGeom prst="rect">
             <a:avLst/>
@@ -6430,7 +5113,7 @@
           <a:fontRef idx="minor"/>
         </p:style>
         <p:txBody>
-          <a:bodyPr tIns="91440" bIns="91440" anchor="t">
+          <a:bodyPr lIns="90000" rIns="90000" tIns="91440" bIns="91440" anchor="t">
             <a:noAutofit/>
           </a:bodyPr>
           <a:p>
@@ -6489,7 +5172,7 @@
       </p:sp>
       <p:pic>
         <p:nvPicPr>
-          <p:cNvPr id="55" name="Google Shape;76;p14" descr=""/>
+          <p:cNvPr id="46" name="Google Shape;76;p14" descr=""/>
           <p:cNvPicPr/>
           <p:nvPr/>
         </p:nvPicPr>
@@ -6500,7 +5183,7 @@
         <p:spPr>
           <a:xfrm>
             <a:off x="4898880" y="7503480"/>
-            <a:ext cx="1848960" cy="1848960"/>
+            <a:ext cx="1848600" cy="1848600"/>
           </a:xfrm>
           <a:prstGeom prst="rect">
             <a:avLst/>
@@ -6542,14 +5225,14 @@
       </p:grpSpPr>
       <p:sp>
         <p:nvSpPr>
-          <p:cNvPr id="56" name="Google Shape;81;p15"/>
+          <p:cNvPr id="47" name="Google Shape;81;p15"/>
           <p:cNvSpPr/>
           <p:nvPr/>
         </p:nvSpPr>
         <p:spPr>
           <a:xfrm>
             <a:off x="360000" y="329760"/>
-            <a:ext cx="6839640" cy="1352520"/>
+            <a:ext cx="6839280" cy="1352160"/>
           </a:xfrm>
           <a:prstGeom prst="roundRect">
             <a:avLst>
@@ -6578,7 +5261,7 @@
           <a:fontRef idx="minor"/>
         </p:style>
         <p:txBody>
-          <a:bodyPr tIns="91440" bIns="91440" anchor="ctr">
+          <a:bodyPr lIns="90000" rIns="90000" tIns="91440" bIns="91440" anchor="ctr">
             <a:noAutofit/>
           </a:bodyPr>
           <a:p>
@@ -6611,13 +5294,13 @@
       </p:sp>
       <p:graphicFrame>
         <p:nvGraphicFramePr>
-          <p:cNvPr id="57" name="Google Shape;82;p15"/>
+          <p:cNvPr id="48" name="Google Shape;82;p15"/>
           <p:cNvGraphicFramePr/>
           <p:nvPr/>
         </p:nvGraphicFramePr>
         <p:xfrm>
           <a:off x="203040" y="1810800"/>
-          <a:ext cx="6905880" cy="3263400"/>
+          <a:ext cx="6905520" cy="2909520"/>
         </p:xfrm>
         <a:graphic>
           <a:graphicData uri="http://schemas.openxmlformats.org/drawingml/2006/table">
@@ -6630,7 +5313,7 @@
               <a:tr h="729720">
                 <a:tc>
                   <a:txBody>
-                    <a:bodyPr lIns="91080" rIns="91080" tIns="91080" bIns="91080" anchor="t">
+                    <a:bodyPr lIns="91080" rIns="91080" anchor="t">
                       <a:noAutofit/>
                     </a:bodyPr>
                     <a:p>
@@ -6689,36 +5372,24 @@
                     </a:p>
                   </a:txBody>
                   <a:tcPr anchor="t" marL="91080" marR="91080">
-                    <a:lnL w="9360">
-                      <a:solidFill>
-                        <a:srgbClr val="9e9e9e"/>
-                      </a:solidFill>
-                      <a:prstDash val="solid"/>
+                    <a:lnL>
+                      <a:noFill/>
                     </a:lnL>
-                    <a:lnR w="9360">
-                      <a:solidFill>
-                        <a:srgbClr val="9e9e9e"/>
-                      </a:solidFill>
-                      <a:prstDash val="solid"/>
+                    <a:lnR>
+                      <a:noFill/>
                     </a:lnR>
-                    <a:lnT w="9360">
-                      <a:solidFill>
-                        <a:srgbClr val="9e9e9e"/>
-                      </a:solidFill>
-                      <a:prstDash val="solid"/>
+                    <a:lnT>
+                      <a:noFill/>
                     </a:lnT>
-                    <a:lnB w="9360">
-                      <a:solidFill>
-                        <a:srgbClr val="9e9e9e"/>
-                      </a:solidFill>
-                      <a:prstDash val="solid"/>
+                    <a:lnB>
+                      <a:noFill/>
                     </a:lnB>
                     <a:noFill/>
                   </a:tcPr>
                 </a:tc>
                 <a:tc>
                   <a:txBody>
-                    <a:bodyPr lIns="91080" rIns="91080" tIns="91080" bIns="91080" anchor="t">
+                    <a:bodyPr lIns="91080" rIns="91080" anchor="t">
                       <a:noAutofit/>
                     </a:bodyPr>
                     <a:p>
@@ -6751,29 +5422,17 @@
                     </a:p>
                   </a:txBody>
                   <a:tcPr anchor="t" marL="91080" marR="91080">
-                    <a:lnL w="9360">
-                      <a:solidFill>
-                        <a:srgbClr val="9e9e9e"/>
-                      </a:solidFill>
-                      <a:prstDash val="solid"/>
+                    <a:lnL>
+                      <a:noFill/>
                     </a:lnL>
-                    <a:lnR w="9360">
-                      <a:solidFill>
-                        <a:srgbClr val="9e9e9e"/>
-                      </a:solidFill>
-                      <a:prstDash val="solid"/>
+                    <a:lnR>
+                      <a:noFill/>
                     </a:lnR>
-                    <a:lnT w="9360">
-                      <a:solidFill>
-                        <a:srgbClr val="9e9e9e"/>
-                      </a:solidFill>
-                      <a:prstDash val="solid"/>
+                    <a:lnT>
+                      <a:noFill/>
                     </a:lnT>
-                    <a:lnB w="9360">
-                      <a:solidFill>
-                        <a:srgbClr val="9e9e9e"/>
-                      </a:solidFill>
-                      <a:prstDash val="solid"/>
+                    <a:lnB>
+                      <a:noFill/>
                     </a:lnB>
                     <a:noFill/>
                   </a:tcPr>
@@ -6782,7 +5441,7 @@
               <a:tr h="380880">
                 <a:tc>
                   <a:txBody>
-                    <a:bodyPr lIns="91080" rIns="91080" tIns="91080" bIns="91080" anchor="t">
+                    <a:bodyPr lIns="91080" rIns="91080" anchor="t">
                       <a:noAutofit/>
                     </a:bodyPr>
                     <a:p>
@@ -6815,36 +5474,24 @@
                     </a:p>
                   </a:txBody>
                   <a:tcPr anchor="t" marL="91080" marR="91080">
-                    <a:lnL w="9360">
-                      <a:solidFill>
-                        <a:srgbClr val="9e9e9e"/>
-                      </a:solidFill>
-                      <a:prstDash val="solid"/>
+                    <a:lnL>
+                      <a:noFill/>
                     </a:lnL>
-                    <a:lnR w="9360">
-                      <a:solidFill>
-                        <a:srgbClr val="9e9e9e"/>
-                      </a:solidFill>
-                      <a:prstDash val="solid"/>
+                    <a:lnR>
+                      <a:noFill/>
                     </a:lnR>
-                    <a:lnT w="9360">
-                      <a:solidFill>
-                        <a:srgbClr val="9e9e9e"/>
-                      </a:solidFill>
-                      <a:prstDash val="solid"/>
+                    <a:lnT>
+                      <a:noFill/>
                     </a:lnT>
-                    <a:lnB w="9360">
-                      <a:solidFill>
-                        <a:srgbClr val="9e9e9e"/>
-                      </a:solidFill>
-                      <a:prstDash val="solid"/>
+                    <a:lnB>
+                      <a:noFill/>
                     </a:lnB>
                     <a:noFill/>
                   </a:tcPr>
                 </a:tc>
                 <a:tc>
                   <a:txBody>
-                    <a:bodyPr lIns="91080" rIns="91080" tIns="91080" bIns="91080" anchor="t">
+                    <a:bodyPr lIns="91080" rIns="91080" anchor="t">
                       <a:noAutofit/>
                     </a:bodyPr>
                     <a:p>
@@ -6877,29 +5524,17 @@
                     </a:p>
                   </a:txBody>
                   <a:tcPr anchor="t" marL="91080" marR="91080">
-                    <a:lnL w="9360">
-                      <a:solidFill>
-                        <a:srgbClr val="9e9e9e"/>
-                      </a:solidFill>
-                      <a:prstDash val="solid"/>
+                    <a:lnL>
+                      <a:noFill/>
                     </a:lnL>
-                    <a:lnR w="9360">
-                      <a:solidFill>
-                        <a:srgbClr val="9e9e9e"/>
-                      </a:solidFill>
-                      <a:prstDash val="solid"/>
+                    <a:lnR>
+                      <a:noFill/>
                     </a:lnR>
-                    <a:lnT w="9360">
-                      <a:solidFill>
-                        <a:srgbClr val="9e9e9e"/>
-                      </a:solidFill>
-                      <a:prstDash val="solid"/>
+                    <a:lnT>
+                      <a:noFill/>
                     </a:lnT>
-                    <a:lnB w="9360">
-                      <a:solidFill>
-                        <a:srgbClr val="9e9e9e"/>
-                      </a:solidFill>
-                      <a:prstDash val="solid"/>
+                    <a:lnB>
+                      <a:noFill/>
                     </a:lnB>
                     <a:noFill/>
                   </a:tcPr>
@@ -6908,7 +5543,7 @@
               <a:tr h="380880">
                 <a:tc>
                   <a:txBody>
-                    <a:bodyPr lIns="91080" rIns="91080" tIns="91080" bIns="91080" anchor="t">
+                    <a:bodyPr lIns="91080" rIns="91080" anchor="t">
                       <a:noAutofit/>
                     </a:bodyPr>
                     <a:p>
@@ -6967,36 +5602,24 @@
                     </a:p>
                   </a:txBody>
                   <a:tcPr anchor="t" marL="91080" marR="91080">
-                    <a:lnL w="9360">
-                      <a:solidFill>
-                        <a:srgbClr val="9e9e9e"/>
-                      </a:solidFill>
-                      <a:prstDash val="solid"/>
+                    <a:lnL>
+                      <a:noFill/>
                     </a:lnL>
-                    <a:lnR w="9360">
-                      <a:solidFill>
-                        <a:srgbClr val="9e9e9e"/>
-                      </a:solidFill>
-                      <a:prstDash val="solid"/>
+                    <a:lnR>
+                      <a:noFill/>
                     </a:lnR>
-                    <a:lnT w="9360">
-                      <a:solidFill>
-                        <a:srgbClr val="9e9e9e"/>
-                      </a:solidFill>
-                      <a:prstDash val="solid"/>
+                    <a:lnT>
+                      <a:noFill/>
                     </a:lnT>
-                    <a:lnB w="9360">
-                      <a:solidFill>
-                        <a:srgbClr val="9e9e9e"/>
-                      </a:solidFill>
-                      <a:prstDash val="solid"/>
+                    <a:lnB>
+                      <a:noFill/>
                     </a:lnB>
                     <a:noFill/>
                   </a:tcPr>
                 </a:tc>
                 <a:tc>
                   <a:txBody>
-                    <a:bodyPr lIns="91080" rIns="91080" tIns="91080" bIns="91080" anchor="t">
+                    <a:bodyPr lIns="91080" rIns="91080" anchor="t">
                       <a:noAutofit/>
                     </a:bodyPr>
                     <a:p>
@@ -7029,29 +5652,17 @@
                     </a:p>
                   </a:txBody>
                   <a:tcPr anchor="t" marL="91080" marR="91080">
-                    <a:lnL w="9360">
-                      <a:solidFill>
-                        <a:srgbClr val="9e9e9e"/>
-                      </a:solidFill>
-                      <a:prstDash val="solid"/>
+                    <a:lnL>
+                      <a:noFill/>
                     </a:lnL>
-                    <a:lnR w="9360">
-                      <a:solidFill>
-                        <a:srgbClr val="9e9e9e"/>
-                      </a:solidFill>
-                      <a:prstDash val="solid"/>
+                    <a:lnR>
+                      <a:noFill/>
                     </a:lnR>
-                    <a:lnT w="9360">
-                      <a:solidFill>
-                        <a:srgbClr val="9e9e9e"/>
-                      </a:solidFill>
-                      <a:prstDash val="solid"/>
+                    <a:lnT>
+                      <a:noFill/>
                     </a:lnT>
-                    <a:lnB w="9360">
-                      <a:solidFill>
-                        <a:srgbClr val="9e9e9e"/>
-                      </a:solidFill>
-                      <a:prstDash val="solid"/>
+                    <a:lnB>
+                      <a:noFill/>
                     </a:lnB>
                     <a:noFill/>
                   </a:tcPr>
@@ -7060,7 +5671,7 @@
               <a:tr h="380880">
                 <a:tc>
                   <a:txBody>
-                    <a:bodyPr lIns="91080" rIns="91080" tIns="91080" bIns="91080" anchor="t">
+                    <a:bodyPr lIns="91080" rIns="91080" anchor="t">
                       <a:noAutofit/>
                     </a:bodyPr>
                     <a:p>
@@ -7093,36 +5704,24 @@
                     </a:p>
                   </a:txBody>
                   <a:tcPr anchor="t" marL="91080" marR="91080">
-                    <a:lnL w="9360">
-                      <a:solidFill>
-                        <a:srgbClr val="9e9e9e"/>
-                      </a:solidFill>
-                      <a:prstDash val="solid"/>
+                    <a:lnL>
+                      <a:noFill/>
                     </a:lnL>
-                    <a:lnR w="9360">
-                      <a:solidFill>
-                        <a:srgbClr val="9e9e9e"/>
-                      </a:solidFill>
-                      <a:prstDash val="solid"/>
+                    <a:lnR>
+                      <a:noFill/>
                     </a:lnR>
-                    <a:lnT w="9360">
-                      <a:solidFill>
-                        <a:srgbClr val="9e9e9e"/>
-                      </a:solidFill>
-                      <a:prstDash val="solid"/>
+                    <a:lnT>
+                      <a:noFill/>
                     </a:lnT>
-                    <a:lnB w="9360">
-                      <a:solidFill>
-                        <a:srgbClr val="9e9e9e"/>
-                      </a:solidFill>
-                      <a:prstDash val="solid"/>
+                    <a:lnB>
+                      <a:noFill/>
                     </a:lnB>
                     <a:noFill/>
                   </a:tcPr>
                 </a:tc>
                 <a:tc>
                   <a:txBody>
-                    <a:bodyPr lIns="91080" rIns="91080" tIns="91080" bIns="91080" anchor="t">
+                    <a:bodyPr lIns="91080" rIns="91080" anchor="t">
                       <a:noAutofit/>
                     </a:bodyPr>
                     <a:p>
@@ -7168,29 +5767,17 @@
                     </a:p>
                   </a:txBody>
                   <a:tcPr anchor="t" marL="91080" marR="91080">
-                    <a:lnL w="9360">
-                      <a:solidFill>
-                        <a:srgbClr val="9e9e9e"/>
-                      </a:solidFill>
-                      <a:prstDash val="solid"/>
+                    <a:lnL>
+                      <a:noFill/>
                     </a:lnL>
-                    <a:lnR w="9360">
-                      <a:solidFill>
-                        <a:srgbClr val="9e9e9e"/>
-                      </a:solidFill>
-                      <a:prstDash val="solid"/>
+                    <a:lnR>
+                      <a:noFill/>
                     </a:lnR>
-                    <a:lnT w="9360">
-                      <a:solidFill>
-                        <a:srgbClr val="9e9e9e"/>
-                      </a:solidFill>
-                      <a:prstDash val="solid"/>
+                    <a:lnT>
+                      <a:noFill/>
                     </a:lnT>
-                    <a:lnB w="9360">
-                      <a:solidFill>
-                        <a:srgbClr val="9e9e9e"/>
-                      </a:solidFill>
-                      <a:prstDash val="solid"/>
+                    <a:lnB>
+                      <a:noFill/>
                     </a:lnB>
                     <a:noFill/>
                   </a:tcPr>
@@ -7199,7 +5786,7 @@
               <a:tr h="380880">
                 <a:tc>
                   <a:txBody>
-                    <a:bodyPr lIns="91080" rIns="91080" tIns="91080" bIns="91080" anchor="t">
+                    <a:bodyPr lIns="91080" rIns="91080" anchor="t">
                       <a:noAutofit/>
                     </a:bodyPr>
                     <a:p>
@@ -7232,36 +5819,24 @@
                     </a:p>
                   </a:txBody>
                   <a:tcPr anchor="t" marL="91080" marR="91080">
-                    <a:lnL w="9360">
-                      <a:solidFill>
-                        <a:srgbClr val="9e9e9e"/>
-                      </a:solidFill>
-                      <a:prstDash val="solid"/>
+                    <a:lnL>
+                      <a:noFill/>
                     </a:lnL>
-                    <a:lnR w="9360">
-                      <a:solidFill>
-                        <a:srgbClr val="9e9e9e"/>
-                      </a:solidFill>
-                      <a:prstDash val="solid"/>
+                    <a:lnR>
+                      <a:noFill/>
                     </a:lnR>
-                    <a:lnT w="9360">
-                      <a:solidFill>
-                        <a:srgbClr val="9e9e9e"/>
-                      </a:solidFill>
-                      <a:prstDash val="solid"/>
+                    <a:lnT>
+                      <a:noFill/>
                     </a:lnT>
-                    <a:lnB w="9360">
-                      <a:solidFill>
-                        <a:srgbClr val="9e9e9e"/>
-                      </a:solidFill>
-                      <a:prstDash val="solid"/>
+                    <a:lnB>
+                      <a:noFill/>
                     </a:lnB>
                     <a:noFill/>
                   </a:tcPr>
                 </a:tc>
                 <a:tc>
                   <a:txBody>
-                    <a:bodyPr lIns="91080" rIns="91080" tIns="91080" bIns="91080" anchor="t">
+                    <a:bodyPr lIns="91080" rIns="91080" anchor="t">
                       <a:noAutofit/>
                     </a:bodyPr>
                     <a:p>
@@ -7274,29 +5849,17 @@
                     </a:p>
                   </a:txBody>
                   <a:tcPr anchor="t" marL="91080" marR="91080">
-                    <a:lnL w="9360">
-                      <a:solidFill>
-                        <a:srgbClr val="9e9e9e"/>
-                      </a:solidFill>
-                      <a:prstDash val="solid"/>
+                    <a:lnL>
+                      <a:noFill/>
                     </a:lnL>
-                    <a:lnR w="9360">
-                      <a:solidFill>
-                        <a:srgbClr val="9e9e9e"/>
-                      </a:solidFill>
-                      <a:prstDash val="solid"/>
+                    <a:lnR>
+                      <a:noFill/>
                     </a:lnR>
-                    <a:lnT w="9360">
-                      <a:solidFill>
-                        <a:srgbClr val="9e9e9e"/>
-                      </a:solidFill>
-                      <a:prstDash val="solid"/>
+                    <a:lnT>
+                      <a:noFill/>
                     </a:lnT>
-                    <a:lnB w="9360">
-                      <a:solidFill>
-                        <a:srgbClr val="9e9e9e"/>
-                      </a:solidFill>
-                      <a:prstDash val="solid"/>
+                    <a:lnB>
+                      <a:noFill/>
                     </a:lnB>
                     <a:noFill/>
                   </a:tcPr>
@@ -7308,14 +5871,14 @@
       </p:graphicFrame>
       <p:sp>
         <p:nvSpPr>
-          <p:cNvPr id="58" name="Google Shape;83;p15"/>
+          <p:cNvPr id="49" name="Google Shape;83;p15"/>
           <p:cNvSpPr/>
           <p:nvPr/>
         </p:nvSpPr>
         <p:spPr>
           <a:xfrm>
             <a:off x="360000" y="5505840"/>
-            <a:ext cx="6839640" cy="1547280"/>
+            <a:ext cx="6839280" cy="1546920"/>
           </a:xfrm>
           <a:prstGeom prst="roundRect">
             <a:avLst>
@@ -7344,7 +5907,7 @@
           <a:fontRef idx="minor"/>
         </p:style>
         <p:txBody>
-          <a:bodyPr tIns="91440" bIns="91440" anchor="ctr">
+          <a:bodyPr lIns="90000" rIns="90000" tIns="91440" bIns="91440" anchor="ctr">
             <a:noAutofit/>
           </a:bodyPr>
           <a:p>
@@ -7429,13 +5992,13 @@
       </p:sp>
       <p:graphicFrame>
         <p:nvGraphicFramePr>
-          <p:cNvPr id="59" name="Google Shape;84;p15"/>
+          <p:cNvPr id="50" name="Google Shape;84;p15"/>
           <p:cNvGraphicFramePr/>
           <p:nvPr/>
         </p:nvGraphicFramePr>
         <p:xfrm>
           <a:off x="360000" y="7175160"/>
-          <a:ext cx="6839640" cy="3197880"/>
+          <a:ext cx="6839640" cy="2744280"/>
         </p:xfrm>
         <a:graphic>
           <a:graphicData uri="http://schemas.openxmlformats.org/drawingml/2006/table">
@@ -7451,7 +6014,7 @@
               <a:tr h="380880">
                 <a:tc>
                   <a:txBody>
-                    <a:bodyPr lIns="91080" rIns="91080" tIns="91080" bIns="91080" anchor="ctr">
+                    <a:bodyPr lIns="91080" rIns="91080" anchor="ctr">
                       <a:noAutofit/>
                     </a:bodyPr>
                     <a:p>
@@ -7513,7 +6076,7 @@
                 </a:tc>
                 <a:tc>
                   <a:txBody>
-                    <a:bodyPr lIns="91080" rIns="91080" tIns="91080" bIns="91080" anchor="ctr">
+                    <a:bodyPr lIns="91080" rIns="91080" anchor="ctr">
                       <a:noAutofit/>
                     </a:bodyPr>
                     <a:p>
@@ -7575,7 +6138,7 @@
                 </a:tc>
                 <a:tc>
                   <a:txBody>
-                    <a:bodyPr lIns="91080" rIns="91080" tIns="91080" bIns="91080" anchor="ctr">
+                    <a:bodyPr lIns="91080" rIns="91080" anchor="ctr">
                       <a:noAutofit/>
                     </a:bodyPr>
                     <a:p>
@@ -7637,7 +6200,7 @@
                 </a:tc>
                 <a:tc>
                   <a:txBody>
-                    <a:bodyPr lIns="91080" rIns="91080" tIns="91080" bIns="91080" anchor="ctr">
+                    <a:bodyPr lIns="91080" rIns="91080" anchor="ctr">
                       <a:noAutofit/>
                     </a:bodyPr>
                     <a:p>
@@ -7699,7 +6262,7 @@
                 </a:tc>
                 <a:tc>
                   <a:txBody>
-                    <a:bodyPr lIns="91080" rIns="91080" tIns="91080" bIns="91080" anchor="ctr">
+                    <a:bodyPr lIns="91080" rIns="91080" anchor="ctr">
                       <a:noAutofit/>
                     </a:bodyPr>
                     <a:p>
@@ -7763,7 +6326,7 @@
               <a:tr h="380880">
                 <a:tc>
                   <a:txBody>
-                    <a:bodyPr lIns="91080" rIns="91080" tIns="91080" bIns="91080" anchor="ctr">
+                    <a:bodyPr lIns="91080" rIns="91080" anchor="ctr">
                       <a:noAutofit/>
                     </a:bodyPr>
                     <a:p>
@@ -7823,7 +6386,7 @@
                 </a:tc>
                 <a:tc>
                   <a:txBody>
-                    <a:bodyPr lIns="91080" rIns="91080" tIns="91080" bIns="91080" anchor="ctr">
+                    <a:bodyPr lIns="91080" rIns="91080" anchor="ctr">
                       <a:noAutofit/>
                     </a:bodyPr>
                     <a:p>
@@ -7883,7 +6446,7 @@
                 </a:tc>
                 <a:tc>
                   <a:txBody>
-                    <a:bodyPr lIns="91080" rIns="91080" tIns="91080" bIns="91080" anchor="ctr">
+                    <a:bodyPr lIns="91080" rIns="91080" anchor="ctr">
                       <a:noAutofit/>
                     </a:bodyPr>
                     <a:p>
@@ -7943,7 +6506,7 @@
                 </a:tc>
                 <a:tc>
                   <a:txBody>
-                    <a:bodyPr lIns="91080" rIns="91080" tIns="91080" bIns="91080" anchor="ctr">
+                    <a:bodyPr lIns="91080" rIns="91080" anchor="ctr">
                       <a:noAutofit/>
                     </a:bodyPr>
                     <a:p>
@@ -8003,7 +6566,7 @@
                 </a:tc>
                 <a:tc>
                   <a:txBody>
-                    <a:bodyPr lIns="91080" rIns="91080" tIns="91080" bIns="91080" anchor="ctr">
+                    <a:bodyPr lIns="91080" rIns="91080" anchor="ctr">
                       <a:noAutofit/>
                     </a:bodyPr>
                     <a:p>
@@ -8065,7 +6628,7 @@
               <a:tr h="380880">
                 <a:tc>
                   <a:txBody>
-                    <a:bodyPr lIns="91080" rIns="91080" tIns="91080" bIns="91080" anchor="ctr">
+                    <a:bodyPr lIns="91080" rIns="91080" anchor="ctr">
                       <a:noAutofit/>
                     </a:bodyPr>
                     <a:p>
@@ -8125,7 +6688,7 @@
                 </a:tc>
                 <a:tc>
                   <a:txBody>
-                    <a:bodyPr lIns="91080" rIns="91080" tIns="91080" bIns="91080" anchor="ctr">
+                    <a:bodyPr lIns="91080" rIns="91080" anchor="ctr">
                       <a:noAutofit/>
                     </a:bodyPr>
                     <a:p>
@@ -8185,7 +6748,7 @@
                 </a:tc>
                 <a:tc>
                   <a:txBody>
-                    <a:bodyPr lIns="91080" rIns="91080" tIns="91080" bIns="91080" anchor="ctr">
+                    <a:bodyPr lIns="91080" rIns="91080" anchor="ctr">
                       <a:noAutofit/>
                     </a:bodyPr>
                     <a:p>
@@ -8245,7 +6808,7 @@
                 </a:tc>
                 <a:tc>
                   <a:txBody>
-                    <a:bodyPr lIns="91080" rIns="91080" tIns="91080" bIns="91080" anchor="ctr">
+                    <a:bodyPr lIns="91080" rIns="91080" anchor="ctr">
                       <a:noAutofit/>
                     </a:bodyPr>
                     <a:p>
@@ -8305,7 +6868,7 @@
                 </a:tc>
                 <a:tc>
                   <a:txBody>
-                    <a:bodyPr lIns="91080" rIns="91080" tIns="91080" bIns="91080" anchor="ctr">
+                    <a:bodyPr lIns="91080" rIns="91080" anchor="ctr">
                       <a:noAutofit/>
                     </a:bodyPr>
                     <a:p>
@@ -8367,7 +6930,7 @@
               <a:tr h="380880">
                 <a:tc>
                   <a:txBody>
-                    <a:bodyPr lIns="91080" rIns="91080" tIns="91080" bIns="91080" anchor="ctr">
+                    <a:bodyPr lIns="91080" rIns="91080" anchor="ctr">
                       <a:noAutofit/>
                     </a:bodyPr>
                     <a:p>
@@ -8427,7 +6990,7 @@
                 </a:tc>
                 <a:tc>
                   <a:txBody>
-                    <a:bodyPr lIns="91080" rIns="91080" tIns="91080" bIns="91080" anchor="ctr">
+                    <a:bodyPr lIns="91080" rIns="91080" anchor="ctr">
                       <a:noAutofit/>
                     </a:bodyPr>
                     <a:p>
@@ -8487,7 +7050,7 @@
                 </a:tc>
                 <a:tc>
                   <a:txBody>
-                    <a:bodyPr lIns="91080" rIns="91080" tIns="91080" bIns="91080" anchor="ctr">
+                    <a:bodyPr lIns="91080" rIns="91080" anchor="ctr">
                       <a:noAutofit/>
                     </a:bodyPr>
                     <a:p>
@@ -8547,7 +7110,7 @@
                 </a:tc>
                 <a:tc>
                   <a:txBody>
-                    <a:bodyPr lIns="91080" rIns="91080" tIns="91080" bIns="91080" anchor="ctr">
+                    <a:bodyPr lIns="91080" rIns="91080" anchor="ctr">
                       <a:noAutofit/>
                     </a:bodyPr>
                     <a:p>
@@ -8607,7 +7170,7 @@
                 </a:tc>
                 <a:tc>
                   <a:txBody>
-                    <a:bodyPr lIns="91080" rIns="91080" tIns="91080" bIns="91080" anchor="ctr">
+                    <a:bodyPr lIns="91080" rIns="91080" anchor="ctr">
                       <a:noAutofit/>
                     </a:bodyPr>
                     <a:p>
@@ -8669,7 +7232,7 @@
               <a:tr h="380880">
                 <a:tc>
                   <a:txBody>
-                    <a:bodyPr lIns="91080" rIns="91080" tIns="91080" bIns="91080" anchor="ctr">
+                    <a:bodyPr lIns="91080" rIns="91080" anchor="ctr">
                       <a:noAutofit/>
                     </a:bodyPr>
                     <a:p>
@@ -8729,7 +7292,7 @@
                 </a:tc>
                 <a:tc>
                   <a:txBody>
-                    <a:bodyPr lIns="91080" rIns="91080" tIns="91080" bIns="91080" anchor="ctr">
+                    <a:bodyPr lIns="91080" rIns="91080" anchor="ctr">
                       <a:noAutofit/>
                     </a:bodyPr>
                     <a:p>
@@ -8789,7 +7352,7 @@
                 </a:tc>
                 <a:tc>
                   <a:txBody>
-                    <a:bodyPr lIns="91080" rIns="91080" tIns="91080" bIns="91080" anchor="ctr">
+                    <a:bodyPr lIns="91080" rIns="91080" anchor="ctr">
                       <a:noAutofit/>
                     </a:bodyPr>
                     <a:p>
@@ -8849,7 +7412,7 @@
                 </a:tc>
                 <a:tc>
                   <a:txBody>
-                    <a:bodyPr lIns="91080" rIns="91080" tIns="91080" bIns="91080" anchor="ctr">
+                    <a:bodyPr lIns="91080" rIns="91080" anchor="ctr">
                       <a:noAutofit/>
                     </a:bodyPr>
                     <a:p>
@@ -8909,7 +7472,7 @@
                 </a:tc>
                 <a:tc>
                   <a:txBody>
-                    <a:bodyPr lIns="91080" rIns="91080" tIns="91080" bIns="91080" anchor="ctr">
+                    <a:bodyPr lIns="91080" rIns="91080" anchor="ctr">
                       <a:noAutofit/>
                     </a:bodyPr>
                     <a:p>
@@ -8971,7 +7534,7 @@
               <a:tr h="380880">
                 <a:tc gridSpan="4">
                   <a:txBody>
-                    <a:bodyPr lIns="91080" rIns="91080" tIns="91080" bIns="91080" anchor="ctr">
+                    <a:bodyPr lIns="91080" rIns="91080" anchor="ctr">
                       <a:noAutofit/>
                     </a:bodyPr>
                     <a:p>
@@ -9127,7 +7690,7 @@
                 </a:tc>
                 <a:tc>
                   <a:txBody>
-                    <a:bodyPr lIns="91080" rIns="91080" tIns="91080" bIns="91080" anchor="ctr">
+                    <a:bodyPr lIns="91080" rIns="91080" anchor="ctr">
                       <a:noAutofit/>
                     </a:bodyPr>
                     <a:p>
@@ -9222,7 +7785,7 @@
       </p:grpSpPr>
       <p:pic>
         <p:nvPicPr>
-          <p:cNvPr id="60" name="Google Shape;89;p16" descr=""/>
+          <p:cNvPr id="51" name="Google Shape;89;p16" descr=""/>
           <p:cNvPicPr/>
           <p:nvPr/>
         </p:nvPicPr>
@@ -9233,7 +7796,7 @@
         <p:spPr>
           <a:xfrm>
             <a:off x="-129240" y="3505320"/>
-            <a:ext cx="7826760" cy="4134960"/>
+            <a:ext cx="7826400" cy="4134600"/>
           </a:xfrm>
           <a:prstGeom prst="rect">
             <a:avLst/>
@@ -9245,14 +7808,14 @@
       </p:pic>
       <p:sp>
         <p:nvSpPr>
-          <p:cNvPr id="61" name="Google Shape;90;p16"/>
+          <p:cNvPr id="52" name="Google Shape;90;p16"/>
           <p:cNvSpPr/>
           <p:nvPr/>
         </p:nvSpPr>
         <p:spPr>
           <a:xfrm>
             <a:off x="646200" y="5257080"/>
-            <a:ext cx="6276240" cy="690840"/>
+            <a:ext cx="6275880" cy="690840"/>
           </a:xfrm>
           <a:prstGeom prst="rect">
             <a:avLst/>
@@ -9269,7 +7832,7 @@
           <a:fontRef idx="minor"/>
         </p:style>
         <p:txBody>
-          <a:bodyPr tIns="91440" bIns="91440" anchor="t">
+          <a:bodyPr lIns="90000" rIns="90000" tIns="91440" bIns="91440" anchor="t">
             <a:spAutoFit/>
           </a:bodyPr>
           <a:p>
@@ -9312,7 +7875,7 @@
       </p:sp>
       <p:pic>
         <p:nvPicPr>
-          <p:cNvPr id="62" name="Google Shape;91;p16" descr=""/>
+          <p:cNvPr id="53" name="Google Shape;91;p16" descr=""/>
           <p:cNvPicPr/>
           <p:nvPr/>
         </p:nvPicPr>
@@ -9323,7 +7886,7 @@
         <p:spPr>
           <a:xfrm>
             <a:off x="366480" y="7758000"/>
-            <a:ext cx="284040" cy="284040"/>
+            <a:ext cx="283680" cy="283680"/>
           </a:xfrm>
           <a:prstGeom prst="rect">
             <a:avLst/>
@@ -9335,14 +7898,14 @@
       </p:pic>
       <p:sp>
         <p:nvSpPr>
-          <p:cNvPr id="63" name="Google Shape;92;p16"/>
+          <p:cNvPr id="54" name="Google Shape;92;p16"/>
           <p:cNvSpPr/>
           <p:nvPr/>
         </p:nvSpPr>
         <p:spPr>
           <a:xfrm>
             <a:off x="710280" y="7672680"/>
-            <a:ext cx="2270880" cy="454680"/>
+            <a:ext cx="2270520" cy="454320"/>
           </a:xfrm>
           <a:prstGeom prst="rect">
             <a:avLst/>
@@ -9359,7 +7922,7 @@
           <a:fontRef idx="minor"/>
         </p:style>
         <p:txBody>
-          <a:bodyPr tIns="91440" bIns="91440" anchor="t">
+          <a:bodyPr lIns="90000" rIns="90000" tIns="91440" bIns="91440" anchor="t">
             <a:noAutofit/>
           </a:bodyPr>
           <a:p>
@@ -9408,7 +7971,7 @@
       </p:sp>
       <p:pic>
         <p:nvPicPr>
-          <p:cNvPr id="64" name="Google Shape;93;p16" descr=""/>
+          <p:cNvPr id="55" name="Google Shape;93;p16" descr=""/>
           <p:cNvPicPr/>
           <p:nvPr/>
         </p:nvPicPr>
@@ -9419,7 +7982,7 @@
         <p:spPr>
           <a:xfrm>
             <a:off x="4066200" y="7758000"/>
-            <a:ext cx="284040" cy="284040"/>
+            <a:ext cx="283680" cy="283680"/>
           </a:xfrm>
           <a:prstGeom prst="rect">
             <a:avLst/>
@@ -9431,14 +7994,14 @@
       </p:pic>
       <p:sp>
         <p:nvSpPr>
-          <p:cNvPr id="65" name="Google Shape;94;p16"/>
+          <p:cNvPr id="56" name="Google Shape;94;p16"/>
           <p:cNvSpPr/>
           <p:nvPr/>
         </p:nvSpPr>
         <p:spPr>
           <a:xfrm>
             <a:off x="4410000" y="7710840"/>
-            <a:ext cx="2643840" cy="369720"/>
+            <a:ext cx="2643480" cy="369360"/>
           </a:xfrm>
           <a:prstGeom prst="rect">
             <a:avLst/>
@@ -9455,7 +8018,7 @@
           <a:fontRef idx="minor"/>
         </p:style>
         <p:txBody>
-          <a:bodyPr tIns="91440" bIns="91440" anchor="t">
+          <a:bodyPr lIns="90000" rIns="90000" tIns="91440" bIns="91440" anchor="t">
             <a:noAutofit/>
           </a:bodyPr>
           <a:p>
@@ -9504,7 +8067,7 @@
       </p:sp>
       <p:pic>
         <p:nvPicPr>
-          <p:cNvPr id="66" name="Google Shape;95;p16" descr=""/>
+          <p:cNvPr id="57" name="Google Shape;95;p16" descr=""/>
           <p:cNvPicPr/>
           <p:nvPr/>
         </p:nvPicPr>
@@ -9515,7 +8078,7 @@
         <p:spPr>
           <a:xfrm>
             <a:off x="373320" y="8329320"/>
-            <a:ext cx="284040" cy="284040"/>
+            <a:ext cx="283680" cy="283680"/>
           </a:xfrm>
           <a:prstGeom prst="rect">
             <a:avLst/>
@@ -9527,14 +8090,14 @@
       </p:pic>
       <p:sp>
         <p:nvSpPr>
-          <p:cNvPr id="67" name="Google Shape;96;p16"/>
+          <p:cNvPr id="58" name="Google Shape;96;p16"/>
           <p:cNvSpPr/>
           <p:nvPr/>
         </p:nvSpPr>
         <p:spPr>
           <a:xfrm>
             <a:off x="717120" y="8244000"/>
-            <a:ext cx="2738520" cy="679680"/>
+            <a:ext cx="2738160" cy="679320"/>
           </a:xfrm>
           <a:prstGeom prst="rect">
             <a:avLst/>
@@ -9551,7 +8114,7 @@
           <a:fontRef idx="minor"/>
         </p:style>
         <p:txBody>
-          <a:bodyPr tIns="91440" bIns="91440" anchor="t">
+          <a:bodyPr lIns="90000" rIns="90000" tIns="91440" bIns="91440" anchor="t">
             <a:noAutofit/>
           </a:bodyPr>
           <a:p>
@@ -9626,7 +8189,7 @@
       </p:sp>
       <p:pic>
         <p:nvPicPr>
-          <p:cNvPr id="68" name="Google Shape;97;p16" descr=""/>
+          <p:cNvPr id="59" name="Google Shape;97;p16" descr=""/>
           <p:cNvPicPr/>
           <p:nvPr/>
         </p:nvPicPr>
@@ -9637,7 +8200,7 @@
         <p:spPr>
           <a:xfrm>
             <a:off x="4073040" y="8481960"/>
-            <a:ext cx="284040" cy="284040"/>
+            <a:ext cx="283680" cy="283680"/>
           </a:xfrm>
           <a:prstGeom prst="rect">
             <a:avLst/>
@@ -9649,14 +8212,14 @@
       </p:pic>
       <p:sp>
         <p:nvSpPr>
-          <p:cNvPr id="69" name="Google Shape;98;p16"/>
+          <p:cNvPr id="60" name="Google Shape;98;p16"/>
           <p:cNvSpPr/>
           <p:nvPr/>
         </p:nvSpPr>
         <p:spPr>
           <a:xfrm>
             <a:off x="4416840" y="8396640"/>
-            <a:ext cx="2643840" cy="519480"/>
+            <a:ext cx="2643480" cy="519120"/>
           </a:xfrm>
           <a:prstGeom prst="rect">
             <a:avLst/>
@@ -9673,7 +8236,7 @@
           <a:fontRef idx="minor"/>
         </p:style>
         <p:txBody>
-          <a:bodyPr tIns="91440" bIns="91440" anchor="t">
+          <a:bodyPr lIns="90000" rIns="90000" tIns="91440" bIns="91440" anchor="t">
             <a:noAutofit/>
           </a:bodyPr>
           <a:p>
@@ -9722,7 +8285,7 @@
       </p:sp>
       <p:pic>
         <p:nvPicPr>
-          <p:cNvPr id="70" name="Google Shape;99;p16" descr=""/>
+          <p:cNvPr id="61" name="Google Shape;99;p16" descr=""/>
           <p:cNvPicPr/>
           <p:nvPr/>
         </p:nvPicPr>
@@ -9733,7 +8296,7 @@
         <p:spPr>
           <a:xfrm>
             <a:off x="366480" y="9063360"/>
-            <a:ext cx="284040" cy="284040"/>
+            <a:ext cx="283680" cy="283680"/>
           </a:xfrm>
           <a:prstGeom prst="rect">
             <a:avLst/>
@@ -9745,14 +8308,14 @@
       </p:pic>
       <p:sp>
         <p:nvSpPr>
-          <p:cNvPr id="71" name="Google Shape;100;p16"/>
+          <p:cNvPr id="62" name="Google Shape;100;p16"/>
           <p:cNvSpPr/>
           <p:nvPr/>
         </p:nvSpPr>
         <p:spPr>
           <a:xfrm>
             <a:off x="710280" y="8978040"/>
-            <a:ext cx="3087720" cy="519480"/>
+            <a:ext cx="3087360" cy="519120"/>
           </a:xfrm>
           <a:prstGeom prst="rect">
             <a:avLst/>
@@ -9769,7 +8332,7 @@
           <a:fontRef idx="minor"/>
         </p:style>
         <p:txBody>
-          <a:bodyPr tIns="91440" bIns="91440" anchor="t">
+          <a:bodyPr lIns="90000" rIns="90000" tIns="91440" bIns="91440" anchor="t">
             <a:noAutofit/>
           </a:bodyPr>
           <a:p>
@@ -9844,7 +8407,7 @@
       </p:sp>
       <p:pic>
         <p:nvPicPr>
-          <p:cNvPr id="72" name="Google Shape;101;p16" descr=""/>
+          <p:cNvPr id="63" name="Google Shape;101;p16" descr=""/>
           <p:cNvPicPr/>
           <p:nvPr/>
         </p:nvPicPr>
@@ -9855,7 +8418,7 @@
         <p:spPr>
           <a:xfrm>
             <a:off x="4066200" y="9291960"/>
-            <a:ext cx="284040" cy="284040"/>
+            <a:ext cx="283680" cy="283680"/>
           </a:xfrm>
           <a:prstGeom prst="rect">
             <a:avLst/>
@@ -9867,14 +8430,14 @@
       </p:pic>
       <p:sp>
         <p:nvSpPr>
-          <p:cNvPr id="73" name="Google Shape;102;p16"/>
+          <p:cNvPr id="64" name="Google Shape;102;p16"/>
           <p:cNvSpPr/>
           <p:nvPr/>
         </p:nvSpPr>
         <p:spPr>
           <a:xfrm>
             <a:off x="4410000" y="9206640"/>
-            <a:ext cx="2643840" cy="519480"/>
+            <a:ext cx="2643480" cy="519120"/>
           </a:xfrm>
           <a:prstGeom prst="rect">
             <a:avLst/>
@@ -9891,7 +8454,7 @@
           <a:fontRef idx="minor"/>
         </p:style>
         <p:txBody>
-          <a:bodyPr tIns="91440" bIns="91440" anchor="t">
+          <a:bodyPr lIns="90000" rIns="90000" tIns="91440" bIns="91440" anchor="t">
             <a:noAutofit/>
           </a:bodyPr>
           <a:p>
@@ -9924,7 +8487,7 @@
       </p:sp>
       <p:pic>
         <p:nvPicPr>
-          <p:cNvPr id="74" name="Google Shape;103;p16" descr=""/>
+          <p:cNvPr id="65" name="Google Shape;103;p16" descr=""/>
           <p:cNvPicPr/>
           <p:nvPr/>
         </p:nvPicPr>
@@ -9935,7 +8498,7 @@
         <p:spPr>
           <a:xfrm>
             <a:off x="366480" y="9640440"/>
-            <a:ext cx="284040" cy="284040"/>
+            <a:ext cx="283680" cy="283680"/>
           </a:xfrm>
           <a:prstGeom prst="rect">
             <a:avLst/>
@@ -9947,14 +8510,14 @@
       </p:pic>
       <p:sp>
         <p:nvSpPr>
-          <p:cNvPr id="75" name="Google Shape;104;p16"/>
+          <p:cNvPr id="66" name="Google Shape;104;p16"/>
           <p:cNvSpPr/>
           <p:nvPr/>
         </p:nvSpPr>
         <p:spPr>
           <a:xfrm>
             <a:off x="710280" y="9555120"/>
-            <a:ext cx="3087720" cy="679680"/>
+            <a:ext cx="3087360" cy="679320"/>
           </a:xfrm>
           <a:prstGeom prst="rect">
             <a:avLst/>
@@ -9971,7 +8534,7 @@
           <a:fontRef idx="minor"/>
         </p:style>
         <p:txBody>
-          <a:bodyPr tIns="91440" bIns="91440" anchor="t">
+          <a:bodyPr lIns="90000" rIns="90000" tIns="91440" bIns="91440" anchor="t">
             <a:noAutofit/>
           </a:bodyPr>
           <a:p>
@@ -10020,14 +8583,14 @@
       </p:sp>
       <p:sp>
         <p:nvSpPr>
-          <p:cNvPr id="76" name="Google Shape;105;p16"/>
+          <p:cNvPr id="67" name="Google Shape;105;p16"/>
           <p:cNvSpPr/>
           <p:nvPr/>
         </p:nvSpPr>
         <p:spPr>
           <a:xfrm>
             <a:off x="360000" y="329760"/>
-            <a:ext cx="6839640" cy="1352520"/>
+            <a:ext cx="6839280" cy="1352160"/>
           </a:xfrm>
           <a:prstGeom prst="roundRect">
             <a:avLst>
@@ -10056,7 +8619,7 @@
           <a:fontRef idx="minor"/>
         </p:style>
         <p:txBody>
-          <a:bodyPr tIns="91440" bIns="91440" anchor="ctr">
+          <a:bodyPr lIns="90000" rIns="90000" tIns="91440" bIns="91440" anchor="ctr">
             <a:noAutofit/>
           </a:bodyPr>
           <a:p>
@@ -10089,7 +8652,7 @@
       </p:sp>
       <p:pic>
         <p:nvPicPr>
-          <p:cNvPr id="77" name="Google Shape;106;p16" descr=""/>
+          <p:cNvPr id="68" name="Google Shape;106;p16" descr=""/>
           <p:cNvPicPr/>
           <p:nvPr/>
         </p:nvPicPr>
@@ -10100,7 +8663,7 @@
         <p:spPr>
           <a:xfrm>
             <a:off x="1057320" y="2004840"/>
-            <a:ext cx="613440" cy="613440"/>
+            <a:ext cx="613080" cy="613080"/>
           </a:xfrm>
           <a:prstGeom prst="rect">
             <a:avLst/>
@@ -10112,7 +8675,7 @@
       </p:pic>
       <p:pic>
         <p:nvPicPr>
-          <p:cNvPr id="78" name="Google Shape;107;p16" descr=""/>
+          <p:cNvPr id="69" name="Google Shape;107;p16" descr=""/>
           <p:cNvPicPr/>
           <p:nvPr/>
         </p:nvPicPr>
@@ -10123,7 +8686,7 @@
         <p:spPr>
           <a:xfrm>
             <a:off x="5753160" y="2004840"/>
-            <a:ext cx="613440" cy="613440"/>
+            <a:ext cx="613080" cy="613080"/>
           </a:xfrm>
           <a:prstGeom prst="rect">
             <a:avLst/>
@@ -10135,14 +8698,14 @@
       </p:pic>
       <p:sp>
         <p:nvSpPr>
-          <p:cNvPr id="79" name="Google Shape;108;p16"/>
+          <p:cNvPr id="70" name="Google Shape;108;p16"/>
           <p:cNvSpPr/>
           <p:nvPr/>
         </p:nvSpPr>
         <p:spPr>
           <a:xfrm>
             <a:off x="228240" y="2675160"/>
-            <a:ext cx="2270880" cy="619560"/>
+            <a:ext cx="2270520" cy="619200"/>
           </a:xfrm>
           <a:prstGeom prst="rect">
             <a:avLst/>
@@ -10159,7 +8722,7 @@
           <a:fontRef idx="minor"/>
         </p:style>
         <p:txBody>
-          <a:bodyPr tIns="91440" bIns="91440" anchor="t">
+          <a:bodyPr lIns="90000" rIns="90000" tIns="91440" bIns="91440" anchor="t">
             <a:noAutofit/>
           </a:bodyPr>
           <a:p>
@@ -10234,14 +8797,14 @@
       </p:sp>
       <p:sp>
         <p:nvSpPr>
-          <p:cNvPr id="80" name="Google Shape;109;p16"/>
+          <p:cNvPr id="71" name="Google Shape;109;p16"/>
           <p:cNvSpPr/>
           <p:nvPr/>
         </p:nvSpPr>
         <p:spPr>
           <a:xfrm>
             <a:off x="4830480" y="2678040"/>
-            <a:ext cx="2458800" cy="794520"/>
+            <a:ext cx="2458440" cy="794160"/>
           </a:xfrm>
           <a:prstGeom prst="rect">
             <a:avLst/>
@@ -10258,7 +8821,7 @@
           <a:fontRef idx="minor"/>
         </p:style>
         <p:txBody>
-          <a:bodyPr tIns="91440" bIns="91440" anchor="t">
+          <a:bodyPr lIns="90000" rIns="90000" tIns="91440" bIns="91440" anchor="t">
             <a:noAutofit/>
           </a:bodyPr>
           <a:p>
@@ -10336,21 +8899,21 @@
       </p:sp>
       <p:grpSp>
         <p:nvGrpSpPr>
-          <p:cNvPr id="81" name="Google Shape;110;p16"/>
+          <p:cNvPr id="72" name="Google Shape;110;p16"/>
           <p:cNvGrpSpPr/>
           <p:nvPr/>
         </p:nvGrpSpPr>
         <p:grpSpPr>
           <a:xfrm>
             <a:off x="2695320" y="2006280"/>
-            <a:ext cx="2169000" cy="1466280"/>
+            <a:ext cx="2168640" cy="1465920"/>
             <a:chOff x="2695320" y="2006280"/>
-            <a:chExt cx="2169000" cy="1466280"/>
+            <a:chExt cx="2168640" cy="1465920"/>
           </a:xfrm>
         </p:grpSpPr>
         <p:pic>
           <p:nvPicPr>
-            <p:cNvPr id="82" name="Google Shape;111;p16" descr=""/>
+            <p:cNvPr id="73" name="Google Shape;111;p16" descr=""/>
             <p:cNvPicPr/>
             <p:nvPr/>
           </p:nvPicPr>
@@ -10361,7 +8924,7 @@
           <p:spPr>
             <a:xfrm>
               <a:off x="3473280" y="2006280"/>
-              <a:ext cx="613440" cy="613440"/>
+              <a:ext cx="613080" cy="613080"/>
             </a:xfrm>
             <a:prstGeom prst="rect">
               <a:avLst/>
@@ -10373,14 +8936,14 @@
         </p:pic>
         <p:sp>
           <p:nvSpPr>
-            <p:cNvPr id="83" name="Google Shape;112;p16"/>
+            <p:cNvPr id="74" name="Google Shape;112;p16"/>
             <p:cNvSpPr/>
             <p:nvPr/>
           </p:nvSpPr>
           <p:spPr>
             <a:xfrm>
               <a:off x="2695320" y="2678040"/>
-              <a:ext cx="2169000" cy="794520"/>
+              <a:ext cx="2168640" cy="794160"/>
             </a:xfrm>
             <a:prstGeom prst="rect">
               <a:avLst/>
@@ -10397,7 +8960,7 @@
             <a:fontRef idx="minor"/>
           </p:style>
           <p:txBody>
-            <a:bodyPr tIns="91440" bIns="91440" anchor="t">
+            <a:bodyPr lIns="90000" rIns="90000" tIns="91440" bIns="91440" anchor="t">
               <a:noAutofit/>
             </a:bodyPr>
             <a:p>
@@ -10493,14 +9056,14 @@
       </p:grpSpPr>
       <p:sp>
         <p:nvSpPr>
-          <p:cNvPr id="84" name="Google Shape;117;p17"/>
+          <p:cNvPr id="75" name="Google Shape;117;p17"/>
           <p:cNvSpPr/>
           <p:nvPr/>
         </p:nvSpPr>
         <p:spPr>
           <a:xfrm>
             <a:off x="360000" y="329760"/>
-            <a:ext cx="6839640" cy="1352520"/>
+            <a:ext cx="6839280" cy="1352160"/>
           </a:xfrm>
           <a:prstGeom prst="roundRect">
             <a:avLst>
@@ -10529,7 +9092,7 @@
           <a:fontRef idx="minor"/>
         </p:style>
         <p:txBody>
-          <a:bodyPr tIns="91440" bIns="91440" anchor="ctr">
+          <a:bodyPr lIns="90000" rIns="90000" tIns="91440" bIns="91440" anchor="ctr">
             <a:noAutofit/>
           </a:bodyPr>
           <a:p>
@@ -10562,7 +9125,7 @@
       </p:sp>
       <p:pic>
         <p:nvPicPr>
-          <p:cNvPr id="85" name="Google Shape;118;p17" descr=""/>
+          <p:cNvPr id="76" name="Google Shape;118;p17" descr=""/>
           <p:cNvPicPr/>
           <p:nvPr/>
         </p:nvPicPr>
@@ -10574,7 +9137,7 @@
         <p:spPr>
           <a:xfrm>
             <a:off x="360000" y="2081880"/>
-            <a:ext cx="6839640" cy="2106360"/>
+            <a:ext cx="6839280" cy="2106000"/>
           </a:xfrm>
           <a:prstGeom prst="rect">
             <a:avLst/>
@@ -10586,7 +9149,7 @@
       </p:pic>
       <p:pic>
         <p:nvPicPr>
-          <p:cNvPr id="86" name="Google Shape;119;p17" descr=""/>
+          <p:cNvPr id="77" name="Google Shape;119;p17" descr=""/>
           <p:cNvPicPr/>
           <p:nvPr/>
         </p:nvPicPr>
@@ -10598,7 +9161,7 @@
         <p:spPr>
           <a:xfrm>
             <a:off x="1081080" y="4776120"/>
-            <a:ext cx="2495160" cy="3142800"/>
+            <a:ext cx="2494800" cy="3142440"/>
           </a:xfrm>
           <a:prstGeom prst="rect">
             <a:avLst/>
@@ -10610,7 +9173,7 @@
       </p:pic>
       <p:pic>
         <p:nvPicPr>
-          <p:cNvPr id="87" name="Google Shape;120;p17" descr=""/>
+          <p:cNvPr id="78" name="Google Shape;120;p17" descr=""/>
           <p:cNvPicPr/>
           <p:nvPr/>
         </p:nvPicPr>
@@ -10621,7 +9184,7 @@
         <p:spPr>
           <a:xfrm>
             <a:off x="3984480" y="4770000"/>
-            <a:ext cx="2495160" cy="3152520"/>
+            <a:ext cx="2494800" cy="3152160"/>
           </a:xfrm>
           <a:prstGeom prst="rect">
             <a:avLst/>
